--- a/Slides/Lesson 0.2 Organization of this Course.pptx
+++ b/Slides/Lesson 0.2 Organization of this Course.pptx
@@ -5,19 +5,20 @@
     <p:sldMasterId id="2147483672" r:id="rId1"/>
   </p:sldMasterIdLst>
   <p:notesMasterIdLst>
-    <p:notesMasterId r:id="rId12"/>
+    <p:notesMasterId r:id="rId13"/>
   </p:notesMasterIdLst>
   <p:sldIdLst>
     <p:sldId id="257" r:id="rId2"/>
     <p:sldId id="258" r:id="rId3"/>
-    <p:sldId id="259" r:id="rId4"/>
-    <p:sldId id="269" r:id="rId5"/>
-    <p:sldId id="265" r:id="rId6"/>
-    <p:sldId id="270" r:id="rId7"/>
-    <p:sldId id="267" r:id="rId8"/>
-    <p:sldId id="271" r:id="rId9"/>
-    <p:sldId id="272" r:id="rId10"/>
-    <p:sldId id="273" r:id="rId11"/>
+    <p:sldId id="274" r:id="rId4"/>
+    <p:sldId id="275" r:id="rId5"/>
+    <p:sldId id="259" r:id="rId6"/>
+    <p:sldId id="265" r:id="rId7"/>
+    <p:sldId id="270" r:id="rId8"/>
+    <p:sldId id="267" r:id="rId9"/>
+    <p:sldId id="271" r:id="rId10"/>
+    <p:sldId id="272" r:id="rId11"/>
+    <p:sldId id="273" r:id="rId12"/>
   </p:sldIdLst>
   <p:sldSz cx="9144000" cy="6858000" type="screen4x3"/>
   <p:notesSz cx="6858000" cy="9144000"/>
@@ -116,6 +117,22 @@
       </a:defRPr>
     </a:lvl9pPr>
   </p:defaultTextStyle>
+  <p:extLst>
+    <p:ext uri="{EFAFB233-063F-42B5-8137-9DF3F51BA10A}">
+      <p15:sldGuideLst xmlns:p15="http://schemas.microsoft.com/office/powerpoint/2012/main">
+        <p15:guide id="1" orient="horz" pos="2160">
+          <p15:clr>
+            <a:srgbClr val="A4A3A4"/>
+          </p15:clr>
+        </p15:guide>
+        <p15:guide id="2" pos="2880">
+          <p15:clr>
+            <a:srgbClr val="A4A3A4"/>
+          </p15:clr>
+        </p15:guide>
+      </p15:sldGuideLst>
+    </p:ext>
+  </p:extLst>
 </p:presentation>
 </file>
 
@@ -201,7 +218,7 @@
           <a:p>
             <a:fld id="{39B146F0-9122-4808-B0F9-3E08B8294872}" type="datetimeFigureOut">
               <a:rPr lang="en-US" smtClean="0"/>
-              <a:t>8/27/2014</a:t>
+              <a:t>8/1/2015</a:t>
             </a:fld>
             <a:endParaRPr lang="en-US"/>
           </a:p>
@@ -657,7 +674,7 @@
             <a:fld id="{6048B3DE-E9CD-4720-84B6-E24D30E64DE7}" type="slidenum">
               <a:rPr lang="en-US" smtClean="0"/>
               <a:pPr/>
-              <a:t>4</a:t>
+              <a:t>3</a:t>
             </a:fld>
             <a:endParaRPr lang="en-US"/>
           </a:p>
@@ -666,7 +683,7 @@
     </p:spTree>
     <p:extLst>
       <p:ext uri="{BB962C8B-B14F-4D97-AF65-F5344CB8AC3E}">
-        <p14:creationId xmlns:p14="http://schemas.microsoft.com/office/powerpoint/2010/main" val="294747175"/>
+        <p14:creationId xmlns:p14="http://schemas.microsoft.com/office/powerpoint/2010/main" val="1623990949"/>
       </p:ext>
     </p:extLst>
   </p:cSld>
@@ -720,10 +737,6 @@
           <a:bodyPr/>
           <a:lstStyle/>
           <a:p>
-            <a:r>
-              <a:rPr lang="en-US" dirty="0" smtClean="0"/>
-              <a:t>Here is the function design recipe.  </a:t>
-            </a:r>
             <a:endParaRPr lang="en-US" dirty="0"/>
           </a:p>
         </p:txBody>
@@ -746,7 +759,7 @@
             <a:fld id="{6048B3DE-E9CD-4720-84B6-E24D30E64DE7}" type="slidenum">
               <a:rPr lang="en-US" smtClean="0"/>
               <a:pPr/>
-              <a:t>8</a:t>
+              <a:t>4</a:t>
             </a:fld>
             <a:endParaRPr lang="en-US"/>
           </a:p>
@@ -755,7 +768,7 @@
     </p:spTree>
     <p:extLst>
       <p:ext uri="{BB962C8B-B14F-4D97-AF65-F5344CB8AC3E}">
-        <p14:creationId xmlns:p14="http://schemas.microsoft.com/office/powerpoint/2010/main" val="4027325373"/>
+        <p14:creationId xmlns:p14="http://schemas.microsoft.com/office/powerpoint/2010/main" val="3570725092"/>
       </p:ext>
     </p:extLst>
   </p:cSld>
@@ -811,6 +824,95 @@
           <a:p>
             <a:r>
               <a:rPr lang="en-US" dirty="0" smtClean="0"/>
+              <a:t>Here is the function design recipe.  </a:t>
+            </a:r>
+            <a:endParaRPr lang="en-US" dirty="0"/>
+          </a:p>
+        </p:txBody>
+      </p:sp>
+      <p:sp>
+        <p:nvSpPr>
+          <p:cNvPr id="4" name="Slide Number Placeholder 3"/>
+          <p:cNvSpPr>
+            <a:spLocks noGrp="1"/>
+          </p:cNvSpPr>
+          <p:nvPr>
+            <p:ph type="sldNum" sz="quarter" idx="10"/>
+          </p:nvPr>
+        </p:nvSpPr>
+        <p:spPr/>
+        <p:txBody>
+          <a:bodyPr/>
+          <a:lstStyle/>
+          <a:p>
+            <a:fld id="{6048B3DE-E9CD-4720-84B6-E24D30E64DE7}" type="slidenum">
+              <a:rPr lang="en-US" smtClean="0"/>
+              <a:pPr/>
+              <a:t>9</a:t>
+            </a:fld>
+            <a:endParaRPr lang="en-US"/>
+          </a:p>
+        </p:txBody>
+      </p:sp>
+    </p:spTree>
+    <p:extLst>
+      <p:ext uri="{BB962C8B-B14F-4D97-AF65-F5344CB8AC3E}">
+        <p14:creationId xmlns:p14="http://schemas.microsoft.com/office/powerpoint/2010/main" val="4027325373"/>
+      </p:ext>
+    </p:extLst>
+  </p:cSld>
+  <p:clrMapOvr>
+    <a:masterClrMapping/>
+  </p:clrMapOvr>
+</p:notes>
+</file>
+
+<file path=ppt/notesSlides/notesSlide5.xml><?xml version="1.0" encoding="utf-8"?>
+<p:notes xmlns:a="http://schemas.openxmlformats.org/drawingml/2006/main" xmlns:r="http://schemas.openxmlformats.org/officeDocument/2006/relationships" xmlns:p="http://schemas.openxmlformats.org/presentationml/2006/main">
+  <p:cSld>
+    <p:spTree>
+      <p:nvGrpSpPr>
+        <p:cNvPr id="1" name=""/>
+        <p:cNvGrpSpPr/>
+        <p:nvPr/>
+      </p:nvGrpSpPr>
+      <p:grpSpPr>
+        <a:xfrm>
+          <a:off x="0" y="0"/>
+          <a:ext cx="0" cy="0"/>
+          <a:chOff x="0" y="0"/>
+          <a:chExt cx="0" cy="0"/>
+        </a:xfrm>
+      </p:grpSpPr>
+      <p:sp>
+        <p:nvSpPr>
+          <p:cNvPr id="2" name="Slide Image Placeholder 1"/>
+          <p:cNvSpPr>
+            <a:spLocks noGrp="1" noRot="1" noChangeAspect="1"/>
+          </p:cNvSpPr>
+          <p:nvPr>
+            <p:ph type="sldImg"/>
+          </p:nvPr>
+        </p:nvSpPr>
+        <p:spPr/>
+      </p:sp>
+      <p:sp>
+        <p:nvSpPr>
+          <p:cNvPr id="3" name="Notes Placeholder 2"/>
+          <p:cNvSpPr>
+            <a:spLocks noGrp="1"/>
+          </p:cNvSpPr>
+          <p:nvPr>
+            <p:ph type="body" idx="1"/>
+          </p:nvPr>
+        </p:nvSpPr>
+        <p:spPr/>
+        <p:txBody>
+          <a:bodyPr/>
+          <a:lstStyle/>
+          <a:p>
+            <a:r>
+              <a:rPr lang="en-US" dirty="0" smtClean="0"/>
               <a:t>As we go through the course, we will learn about more and more complicated kinds of data design and design strategies.  This map</a:t>
             </a:r>
             <a:r>
@@ -838,7 +940,7 @@
           <a:p>
             <a:fld id="{9680CC5F-B70A-4D86-BBBF-E132BC41B131}" type="slidenum">
               <a:rPr lang="en-US" smtClean="0"/>
-              <a:t>9</a:t>
+              <a:t>10</a:t>
             </a:fld>
             <a:endParaRPr lang="en-US"/>
           </a:p>
@@ -1044,7 +1146,7 @@
                   </a:prstClr>
                 </a:solidFill>
               </a:rPr>
-              <a:t>8/27/2014</a:t>
+              <a:t>8/1/2015</a:t>
             </a:fld>
             <a:endParaRPr lang="en-US">
               <a:solidFill>
@@ -1335,7 +1437,7 @@
                   </a:prstClr>
                 </a:solidFill>
               </a:rPr>
-              <a:t>8/27/2014</a:t>
+              <a:t>8/1/2015</a:t>
             </a:fld>
             <a:endParaRPr lang="en-US">
               <a:solidFill>
@@ -1536,7 +1638,7 @@
                   </a:prstClr>
                 </a:solidFill>
               </a:rPr>
-              <a:t>8/27/2014</a:t>
+              <a:t>8/1/2015</a:t>
             </a:fld>
             <a:endParaRPr lang="en-US">
               <a:solidFill>
@@ -1747,7 +1849,7 @@
                   </a:prstClr>
                 </a:solidFill>
               </a:rPr>
-              <a:t>8/27/2014</a:t>
+              <a:t>8/1/2015</a:t>
             </a:fld>
             <a:endParaRPr lang="en-US">
               <a:solidFill>
@@ -1860,16 +1962,22 @@
             <p:ph type="title"/>
           </p:nvPr>
         </p:nvSpPr>
-        <p:spPr/>
+        <p:spPr>
+          <a:ln w="28575">
+            <a:solidFill>
+              <a:schemeClr val="accent1"/>
+            </a:solidFill>
+          </a:ln>
+        </p:spPr>
         <p:txBody>
           <a:bodyPr/>
           <a:lstStyle/>
           <a:p>
             <a:r>
-              <a:rPr lang="en-US" smtClean="0"/>
+              <a:rPr lang="en-US" dirty="0" smtClean="0"/>
               <a:t>Click to edit Master title style</a:t>
             </a:r>
-            <a:endParaRPr lang="en-US"/>
+            <a:endParaRPr lang="en-US" dirty="0"/>
           </a:p>
         </p:txBody>
       </p:sp>
@@ -1948,7 +2056,7 @@
                   </a:prstClr>
                 </a:solidFill>
               </a:rPr>
-              <a:t>8/27/2014</a:t>
+              <a:t>8/1/2015</a:t>
             </a:fld>
             <a:endParaRPr lang="en-US" dirty="0">
               <a:solidFill>
@@ -2104,7 +2212,7 @@
                   </a:prstClr>
                 </a:solidFill>
               </a:rPr>
-              <a:t>8/27/2014</a:t>
+              <a:t>8/1/2015</a:t>
             </a:fld>
             <a:endParaRPr lang="en-US">
               <a:solidFill>
@@ -2381,7 +2489,7 @@
                   </a:prstClr>
                 </a:solidFill>
               </a:rPr>
-              <a:t>8/27/2014</a:t>
+              <a:t>8/1/2015</a:t>
             </a:fld>
             <a:endParaRPr lang="en-US">
               <a:solidFill>
@@ -2700,7 +2808,7 @@
                   </a:prstClr>
                 </a:solidFill>
               </a:rPr>
-              <a:t>8/27/2014</a:t>
+              <a:t>8/1/2015</a:t>
             </a:fld>
             <a:endParaRPr lang="en-US">
               <a:solidFill>
@@ -3153,7 +3261,7 @@
                   </a:prstClr>
                 </a:solidFill>
               </a:rPr>
-              <a:t>8/27/2014</a:t>
+              <a:t>8/1/2015</a:t>
             </a:fld>
             <a:endParaRPr lang="en-US">
               <a:solidFill>
@@ -3302,7 +3410,7 @@
                   </a:prstClr>
                 </a:solidFill>
               </a:rPr>
-              <a:t>8/27/2014</a:t>
+              <a:t>8/1/2015</a:t>
             </a:fld>
             <a:endParaRPr lang="en-US">
               <a:solidFill>
@@ -3428,7 +3536,7 @@
                   </a:prstClr>
                 </a:solidFill>
               </a:rPr>
-              <a:t>8/27/2014</a:t>
+              <a:t>8/1/2015</a:t>
             </a:fld>
             <a:endParaRPr lang="en-US">
               <a:solidFill>
@@ -3736,7 +3844,7 @@
                   </a:prstClr>
                 </a:solidFill>
               </a:rPr>
-              <a:t>8/27/2014</a:t>
+              <a:t>8/1/2015</a:t>
             </a:fld>
             <a:endParaRPr lang="en-US">
               <a:solidFill>
@@ -3980,7 +4088,7 @@
                   </a:prstClr>
                 </a:solidFill>
               </a:rPr>
-              <a:t>8/27/2014</a:t>
+              <a:t>8/1/2015</a:t>
             </a:fld>
             <a:endParaRPr lang="en-US">
               <a:solidFill>
@@ -4632,1564 +4740,6 @@
 </file>
 
 <file path=ppt/slides/slide10.xml><?xml version="1.0" encoding="utf-8"?>
-<p:sld xmlns:a="http://schemas.openxmlformats.org/drawingml/2006/main" xmlns:r="http://schemas.openxmlformats.org/officeDocument/2006/relationships" xmlns:p="http://schemas.openxmlformats.org/presentationml/2006/main">
-  <p:cSld>
-    <p:spTree>
-      <p:nvGrpSpPr>
-        <p:cNvPr id="1" name=""/>
-        <p:cNvGrpSpPr/>
-        <p:nvPr/>
-      </p:nvGrpSpPr>
-      <p:grpSpPr>
-        <a:xfrm>
-          <a:off x="0" y="0"/>
-          <a:ext cx="0" cy="0"/>
-          <a:chOff x="0" y="0"/>
-          <a:chExt cx="0" cy="0"/>
-        </a:xfrm>
-      </p:grpSpPr>
-      <p:sp>
-        <p:nvSpPr>
-          <p:cNvPr id="2" name="Title 1"/>
-          <p:cNvSpPr>
-            <a:spLocks noGrp="1"/>
-          </p:cNvSpPr>
-          <p:nvPr>
-            <p:ph type="title"/>
-          </p:nvPr>
-        </p:nvSpPr>
-        <p:spPr/>
-        <p:txBody>
-          <a:bodyPr/>
-          <a:lstStyle/>
-          <a:p>
-            <a:r>
-              <a:rPr lang="en-US" dirty="0" smtClean="0"/>
-              <a:t>Next Steps</a:t>
-            </a:r>
-            <a:endParaRPr lang="en-US" dirty="0"/>
-          </a:p>
-        </p:txBody>
-      </p:sp>
-      <p:sp>
-        <p:nvSpPr>
-          <p:cNvPr id="3" name="Content Placeholder 2"/>
-          <p:cNvSpPr>
-            <a:spLocks noGrp="1"/>
-          </p:cNvSpPr>
-          <p:nvPr>
-            <p:ph idx="1"/>
-          </p:nvPr>
-        </p:nvSpPr>
-        <p:spPr/>
-        <p:txBody>
-          <a:bodyPr/>
-          <a:lstStyle/>
-          <a:p>
-            <a:r>
-              <a:rPr lang="en-US" dirty="0" smtClean="0"/>
-              <a:t>If you have questions about this lesson, ask them on Piazza</a:t>
-            </a:r>
-          </a:p>
-          <a:p>
-            <a:r>
-              <a:rPr lang="en-US" dirty="0" smtClean="0"/>
-              <a:t>Go on to the next lesson</a:t>
-            </a:r>
-            <a:endParaRPr lang="en-US" dirty="0"/>
-          </a:p>
-        </p:txBody>
-      </p:sp>
-      <p:sp>
-        <p:nvSpPr>
-          <p:cNvPr id="4" name="Slide Number Placeholder 3"/>
-          <p:cNvSpPr>
-            <a:spLocks noGrp="1"/>
-          </p:cNvSpPr>
-          <p:nvPr>
-            <p:ph type="sldNum" sz="quarter" idx="12"/>
-          </p:nvPr>
-        </p:nvSpPr>
-        <p:spPr/>
-        <p:txBody>
-          <a:bodyPr/>
-          <a:lstStyle/>
-          <a:p>
-            <a:fld id="{B6F15528-21DE-4FAA-801E-634DDDAF4B2B}" type="slidenum">
-              <a:rPr lang="en-US" smtClean="0">
-                <a:solidFill>
-                  <a:prstClr val="black">
-                    <a:tint val="75000"/>
-                  </a:prstClr>
-                </a:solidFill>
-              </a:rPr>
-              <a:pPr/>
-              <a:t>10</a:t>
-            </a:fld>
-            <a:endParaRPr lang="en-US" dirty="0">
-              <a:solidFill>
-                <a:prstClr val="black">
-                  <a:tint val="75000"/>
-                </a:prstClr>
-              </a:solidFill>
-            </a:endParaRPr>
-          </a:p>
-        </p:txBody>
-      </p:sp>
-    </p:spTree>
-    <p:extLst>
-      <p:ext uri="{BB962C8B-B14F-4D97-AF65-F5344CB8AC3E}">
-        <p14:creationId xmlns:p14="http://schemas.microsoft.com/office/powerpoint/2010/main" val="82692490"/>
-      </p:ext>
-    </p:extLst>
-  </p:cSld>
-  <p:clrMapOvr>
-    <a:masterClrMapping/>
-  </p:clrMapOvr>
-  <p:timing>
-    <p:tnLst>
-      <p:par>
-        <p:cTn id="1" dur="indefinite" restart="never" nodeType="tmRoot"/>
-      </p:par>
-    </p:tnLst>
-  </p:timing>
-</p:sld>
-</file>
-
-<file path=ppt/slides/slide2.xml><?xml version="1.0" encoding="utf-8"?>
-<p:sld xmlns:a="http://schemas.openxmlformats.org/drawingml/2006/main" xmlns:r="http://schemas.openxmlformats.org/officeDocument/2006/relationships" xmlns:p="http://schemas.openxmlformats.org/presentationml/2006/main">
-  <p:cSld>
-    <p:spTree>
-      <p:nvGrpSpPr>
-        <p:cNvPr id="1" name=""/>
-        <p:cNvGrpSpPr/>
-        <p:nvPr/>
-      </p:nvGrpSpPr>
-      <p:grpSpPr>
-        <a:xfrm>
-          <a:off x="0" y="0"/>
-          <a:ext cx="0" cy="0"/>
-          <a:chOff x="0" y="0"/>
-          <a:chExt cx="0" cy="0"/>
-        </a:xfrm>
-      </p:grpSpPr>
-      <p:sp>
-        <p:nvSpPr>
-          <p:cNvPr id="2" name="Title 1"/>
-          <p:cNvSpPr>
-            <a:spLocks noGrp="1"/>
-          </p:cNvSpPr>
-          <p:nvPr>
-            <p:ph type="title"/>
-          </p:nvPr>
-        </p:nvSpPr>
-        <p:spPr/>
-        <p:txBody>
-          <a:bodyPr/>
-          <a:lstStyle/>
-          <a:p>
-            <a:r>
-              <a:rPr lang="en-US" dirty="0" smtClean="0"/>
-              <a:t>Learning Objectives</a:t>
-            </a:r>
-            <a:endParaRPr lang="en-US" dirty="0"/>
-          </a:p>
-        </p:txBody>
-      </p:sp>
-      <p:sp>
-        <p:nvSpPr>
-          <p:cNvPr id="3" name="Content Placeholder 2"/>
-          <p:cNvSpPr>
-            <a:spLocks noGrp="1"/>
-          </p:cNvSpPr>
-          <p:nvPr>
-            <p:ph idx="1"/>
-          </p:nvPr>
-        </p:nvSpPr>
-        <p:spPr/>
-        <p:txBody>
-          <a:bodyPr/>
-          <a:lstStyle/>
-          <a:p>
-            <a:r>
-              <a:rPr lang="en-US" dirty="0" smtClean="0"/>
-              <a:t>By the time you complete this lesson, you should be able to:</a:t>
-            </a:r>
-          </a:p>
-          <a:p>
-            <a:pPr lvl="1"/>
-            <a:r>
-              <a:rPr lang="en-US" dirty="0" smtClean="0"/>
-              <a:t>list the 6 principles underlying this course</a:t>
-            </a:r>
-          </a:p>
-          <a:p>
-            <a:pPr lvl="1"/>
-            <a:r>
-              <a:rPr lang="en-US" dirty="0" smtClean="0"/>
-              <a:t>list the 6 steps of the design recipe</a:t>
-            </a:r>
-          </a:p>
-          <a:p>
-            <a:pPr lvl="1"/>
-            <a:r>
-              <a:rPr lang="en-US" dirty="0" smtClean="0"/>
-              <a:t>recite some of the slogans that we will use throughout the course.</a:t>
-            </a:r>
-          </a:p>
-        </p:txBody>
-      </p:sp>
-      <p:sp>
-        <p:nvSpPr>
-          <p:cNvPr id="4" name="Slide Number Placeholder 3"/>
-          <p:cNvSpPr>
-            <a:spLocks noGrp="1"/>
-          </p:cNvSpPr>
-          <p:nvPr>
-            <p:ph type="sldNum" sz="quarter" idx="12"/>
-          </p:nvPr>
-        </p:nvSpPr>
-        <p:spPr/>
-        <p:txBody>
-          <a:bodyPr/>
-          <a:lstStyle/>
-          <a:p>
-            <a:fld id="{AB376464-0CAE-48CA-94A1-62F8E9374B4C}" type="slidenum">
-              <a:rPr lang="en-US" smtClean="0"/>
-              <a:pPr/>
-              <a:t>2</a:t>
-            </a:fld>
-            <a:endParaRPr lang="en-US"/>
-          </a:p>
-        </p:txBody>
-      </p:sp>
-    </p:spTree>
-    <p:extLst>
-      <p:ext uri="{BB962C8B-B14F-4D97-AF65-F5344CB8AC3E}">
-        <p14:creationId xmlns:p14="http://schemas.microsoft.com/office/powerpoint/2010/main" val="4100148154"/>
-      </p:ext>
-    </p:extLst>
-  </p:cSld>
-  <p:clrMapOvr>
-    <a:masterClrMapping/>
-  </p:clrMapOvr>
-  <p:timing>
-    <p:tnLst>
-      <p:par>
-        <p:cTn id="1" dur="indefinite" restart="never" nodeType="tmRoot"/>
-      </p:par>
-    </p:tnLst>
-  </p:timing>
-</p:sld>
-</file>
-
-<file path=ppt/slides/slide3.xml><?xml version="1.0" encoding="utf-8"?>
-<p:sld xmlns:a="http://schemas.openxmlformats.org/drawingml/2006/main" xmlns:r="http://schemas.openxmlformats.org/officeDocument/2006/relationships" xmlns:p="http://schemas.openxmlformats.org/presentationml/2006/main">
-  <p:cSld>
-    <p:spTree>
-      <p:nvGrpSpPr>
-        <p:cNvPr id="1" name=""/>
-        <p:cNvGrpSpPr/>
-        <p:nvPr/>
-      </p:nvGrpSpPr>
-      <p:grpSpPr>
-        <a:xfrm>
-          <a:off x="0" y="0"/>
-          <a:ext cx="0" cy="0"/>
-          <a:chOff x="0" y="0"/>
-          <a:chExt cx="0" cy="0"/>
-        </a:xfrm>
-      </p:grpSpPr>
-      <p:sp>
-        <p:nvSpPr>
-          <p:cNvPr id="2" name="Title 1"/>
-          <p:cNvSpPr>
-            <a:spLocks noGrp="1"/>
-          </p:cNvSpPr>
-          <p:nvPr>
-            <p:ph type="title"/>
-          </p:nvPr>
-        </p:nvSpPr>
-        <p:spPr/>
-        <p:txBody>
-          <a:bodyPr/>
-          <a:lstStyle/>
-          <a:p>
-            <a:r>
-              <a:rPr lang="en-US" dirty="0" smtClean="0"/>
-              <a:t>Principles</a:t>
-            </a:r>
-            <a:endParaRPr lang="en-US" dirty="0"/>
-          </a:p>
-        </p:txBody>
-      </p:sp>
-      <p:sp>
-        <p:nvSpPr>
-          <p:cNvPr id="3" name="Content Placeholder 2"/>
-          <p:cNvSpPr>
-            <a:spLocks noGrp="1"/>
-          </p:cNvSpPr>
-          <p:nvPr>
-            <p:ph idx="1"/>
-          </p:nvPr>
-        </p:nvSpPr>
-        <p:spPr/>
-        <p:txBody>
-          <a:bodyPr/>
-          <a:lstStyle/>
-          <a:p>
-            <a:r>
-              <a:rPr lang="en-US" dirty="0" smtClean="0"/>
-              <a:t>This course is based on six principles.  Everything we do can be traced back to one or more of these principles.</a:t>
-            </a:r>
-          </a:p>
-          <a:p>
-            <a:r>
-              <a:rPr lang="en-US" dirty="0" smtClean="0"/>
-              <a:t>We will expand on each of them as we go along.</a:t>
-            </a:r>
-          </a:p>
-          <a:p>
-            <a:r>
-              <a:rPr lang="en-US" dirty="0" smtClean="0"/>
-              <a:t>You should write these down, in your own handwriting.  Writing things down will help you remember them.</a:t>
-            </a:r>
-          </a:p>
-          <a:p>
-            <a:endParaRPr lang="en-US" dirty="0"/>
-          </a:p>
-        </p:txBody>
-      </p:sp>
-      <p:sp>
-        <p:nvSpPr>
-          <p:cNvPr id="4" name="Slide Number Placeholder 3"/>
-          <p:cNvSpPr>
-            <a:spLocks noGrp="1"/>
-          </p:cNvSpPr>
-          <p:nvPr>
-            <p:ph type="sldNum" sz="quarter" idx="12"/>
-          </p:nvPr>
-        </p:nvSpPr>
-        <p:spPr/>
-        <p:txBody>
-          <a:bodyPr/>
-          <a:lstStyle/>
-          <a:p>
-            <a:fld id="{AB376464-0CAE-48CA-94A1-62F8E9374B4C}" type="slidenum">
-              <a:rPr lang="en-US" smtClean="0"/>
-              <a:pPr/>
-              <a:t>3</a:t>
-            </a:fld>
-            <a:endParaRPr lang="en-US"/>
-          </a:p>
-        </p:txBody>
-      </p:sp>
-    </p:spTree>
-    <p:extLst>
-      <p:ext uri="{BB962C8B-B14F-4D97-AF65-F5344CB8AC3E}">
-        <p14:creationId xmlns:p14="http://schemas.microsoft.com/office/powerpoint/2010/main" val="4191556919"/>
-      </p:ext>
-    </p:extLst>
-  </p:cSld>
-  <p:clrMapOvr>
-    <a:masterClrMapping/>
-  </p:clrMapOvr>
-  <p:timing>
-    <p:tnLst>
-      <p:par>
-        <p:cTn id="1" dur="indefinite" restart="never" nodeType="tmRoot"/>
-      </p:par>
-    </p:tnLst>
-  </p:timing>
-</p:sld>
-</file>
-
-<file path=ppt/slides/slide4.xml><?xml version="1.0" encoding="utf-8"?>
-<p:sld xmlns:a="http://schemas.openxmlformats.org/drawingml/2006/main" xmlns:r="http://schemas.openxmlformats.org/officeDocument/2006/relationships" xmlns:p="http://schemas.openxmlformats.org/presentationml/2006/main">
-  <p:cSld>
-    <p:spTree>
-      <p:nvGrpSpPr>
-        <p:cNvPr id="1" name=""/>
-        <p:cNvGrpSpPr/>
-        <p:nvPr/>
-      </p:nvGrpSpPr>
-      <p:grpSpPr>
-        <a:xfrm>
-          <a:off x="0" y="0"/>
-          <a:ext cx="0" cy="0"/>
-          <a:chOff x="0" y="0"/>
-          <a:chExt cx="0" cy="0"/>
-        </a:xfrm>
-      </p:grpSpPr>
-      <p:graphicFrame>
-        <p:nvGraphicFramePr>
-          <p:cNvPr id="4" name="Content Placeholder 3"/>
-          <p:cNvGraphicFramePr>
-            <a:graphicFrameLocks noGrp="1"/>
-          </p:cNvGraphicFramePr>
-          <p:nvPr>
-            <p:ph idx="1"/>
-            <p:extLst>
-              <p:ext uri="{D42A27DB-BD31-4B8C-83A1-F6EECF244321}">
-                <p14:modId xmlns:p14="http://schemas.microsoft.com/office/powerpoint/2010/main" val="1650195458"/>
-              </p:ext>
-            </p:extLst>
-          </p:nvPr>
-        </p:nvGraphicFramePr>
-        <p:xfrm>
-          <a:off x="457200" y="914400"/>
-          <a:ext cx="8229600" cy="5516880"/>
-        </p:xfrm>
-        <a:graphic>
-          <a:graphicData uri="http://schemas.openxmlformats.org/drawingml/2006/table">
-            <a:tbl>
-              <a:tblPr firstRow="1" bandRow="1">
-                <a:tableStyleId>{5C22544A-7EE6-4342-B048-85BDC9FD1C3A}</a:tableStyleId>
-              </a:tblPr>
-              <a:tblGrid>
-                <a:gridCol w="8229600"/>
-              </a:tblGrid>
-              <a:tr h="370840">
-                <a:tc>
-                  <a:txBody>
-                    <a:bodyPr/>
-                    <a:lstStyle/>
-                    <a:p>
-                      <a:pPr algn="ctr"/>
-                      <a:r>
-                        <a:rPr lang="en-US" sz="3200" dirty="0" smtClean="0"/>
-                        <a:t>The Six Principles of this course</a:t>
-                      </a:r>
-                      <a:endParaRPr lang="en-US" sz="3200" dirty="0"/>
-                    </a:p>
-                  </a:txBody>
-                  <a:tcPr/>
-                </a:tc>
-              </a:tr>
-              <a:tr h="370840">
-                <a:tc>
-                  <a:txBody>
-                    <a:bodyPr/>
-                    <a:lstStyle/>
-                    <a:p>
-                      <a:r>
-                        <a:rPr lang="en-US" sz="3200" dirty="0" smtClean="0"/>
-                        <a:t>1. Programming is a People Discipline</a:t>
-                      </a:r>
-                      <a:endParaRPr lang="en-US" sz="3200" dirty="0"/>
-                    </a:p>
-                  </a:txBody>
-                  <a:tcPr/>
-                </a:tc>
-              </a:tr>
-              <a:tr h="370840">
-                <a:tc>
-                  <a:txBody>
-                    <a:bodyPr/>
-                    <a:lstStyle/>
-                    <a:p>
-                      <a:r>
-                        <a:rPr lang="en-US" sz="3200" dirty="0" smtClean="0"/>
-                        <a:t>2. Represent Information as Data; Interpret Data as Information</a:t>
-                      </a:r>
-                      <a:endParaRPr lang="en-US" sz="3200" dirty="0"/>
-                    </a:p>
-                  </a:txBody>
-                  <a:tcPr/>
-                </a:tc>
-              </a:tr>
-              <a:tr h="370840">
-                <a:tc>
-                  <a:txBody>
-                    <a:bodyPr/>
-                    <a:lstStyle/>
-                    <a:p>
-                      <a:pPr marL="0" marR="0" indent="0" algn="l" defTabSz="914400" rtl="0" eaLnBrk="1" fontAlgn="auto" latinLnBrk="0" hangingPunct="1">
-                        <a:lnSpc>
-                          <a:spcPct val="100000"/>
-                        </a:lnSpc>
-                        <a:spcBef>
-                          <a:spcPts val="0"/>
-                        </a:spcBef>
-                        <a:spcAft>
-                          <a:spcPts val="0"/>
-                        </a:spcAft>
-                        <a:buClrTx/>
-                        <a:buSzTx/>
-                        <a:buFontTx/>
-                        <a:buNone/>
-                        <a:tabLst/>
-                        <a:defRPr/>
-                      </a:pPr>
-                      <a:r>
-                        <a:rPr lang="en-US" sz="3200" dirty="0" smtClean="0"/>
-                        <a:t>3.</a:t>
-                      </a:r>
-                      <a:r>
-                        <a:rPr lang="en-US" sz="3200" baseline="0" dirty="0" smtClean="0"/>
-                        <a:t> Programs should consist of functions and methods that consume and produce values</a:t>
-                      </a:r>
-                      <a:endParaRPr lang="en-US" sz="3200" dirty="0"/>
-                    </a:p>
-                  </a:txBody>
-                  <a:tcPr/>
-                </a:tc>
-              </a:tr>
-              <a:tr h="370840">
-                <a:tc>
-                  <a:txBody>
-                    <a:bodyPr/>
-                    <a:lstStyle/>
-                    <a:p>
-                      <a:r>
-                        <a:rPr lang="en-US" sz="3200" dirty="0" smtClean="0"/>
-                        <a:t>4. Design Functions</a:t>
-                      </a:r>
-                      <a:r>
-                        <a:rPr lang="en-US" sz="3200" baseline="0" dirty="0" smtClean="0"/>
-                        <a:t> Systematically</a:t>
-                      </a:r>
-                      <a:endParaRPr lang="en-US" sz="3200" dirty="0" smtClean="0"/>
-                    </a:p>
-                  </a:txBody>
-                  <a:tcPr/>
-                </a:tc>
-              </a:tr>
-              <a:tr h="370840">
-                <a:tc>
-                  <a:txBody>
-                    <a:bodyPr/>
-                    <a:lstStyle/>
-                    <a:p>
-                      <a:r>
-                        <a:rPr lang="en-US" sz="3200" dirty="0" smtClean="0"/>
-                        <a:t>5. Design Systems Iteratively</a:t>
-                      </a:r>
-                      <a:endParaRPr lang="en-US" sz="3200" dirty="0"/>
-                    </a:p>
-                  </a:txBody>
-                  <a:tcPr/>
-                </a:tc>
-              </a:tr>
-              <a:tr h="370840">
-                <a:tc>
-                  <a:txBody>
-                    <a:bodyPr/>
-                    <a:lstStyle/>
-                    <a:p>
-                      <a:r>
-                        <a:rPr lang="en-US" sz="3200" dirty="0" smtClean="0"/>
-                        <a:t>6. Pass values when you can, share state only when you must.</a:t>
-                      </a:r>
-                      <a:endParaRPr lang="en-US" sz="3200" dirty="0"/>
-                    </a:p>
-                  </a:txBody>
-                  <a:tcPr/>
-                </a:tc>
-              </a:tr>
-            </a:tbl>
-          </a:graphicData>
-        </a:graphic>
-      </p:graphicFrame>
-      <p:sp>
-        <p:nvSpPr>
-          <p:cNvPr id="2" name="Slide Number Placeholder 1"/>
-          <p:cNvSpPr>
-            <a:spLocks noGrp="1"/>
-          </p:cNvSpPr>
-          <p:nvPr>
-            <p:ph type="sldNum" sz="quarter" idx="12"/>
-          </p:nvPr>
-        </p:nvSpPr>
-        <p:spPr/>
-        <p:txBody>
-          <a:bodyPr/>
-          <a:lstStyle/>
-          <a:p>
-            <a:fld id="{B6F15528-21DE-4FAA-801E-634DDDAF4B2B}" type="slidenum">
-              <a:rPr lang="en-US" smtClean="0">
-                <a:solidFill>
-                  <a:prstClr val="black">
-                    <a:tint val="75000"/>
-                  </a:prstClr>
-                </a:solidFill>
-              </a:rPr>
-              <a:pPr/>
-              <a:t>4</a:t>
-            </a:fld>
-            <a:endParaRPr lang="en-US" dirty="0">
-              <a:solidFill>
-                <a:prstClr val="black">
-                  <a:tint val="75000"/>
-                </a:prstClr>
-              </a:solidFill>
-            </a:endParaRPr>
-          </a:p>
-        </p:txBody>
-      </p:sp>
-    </p:spTree>
-    <p:extLst>
-      <p:ext uri="{BB962C8B-B14F-4D97-AF65-F5344CB8AC3E}">
-        <p14:creationId xmlns:p14="http://schemas.microsoft.com/office/powerpoint/2010/main" val="3687695999"/>
-      </p:ext>
-    </p:extLst>
-  </p:cSld>
-  <p:clrMapOvr>
-    <a:masterClrMapping/>
-  </p:clrMapOvr>
-  <p:timing>
-    <p:tnLst>
-      <p:par>
-        <p:cTn id="1" dur="indefinite" restart="never" nodeType="tmRoot"/>
-      </p:par>
-    </p:tnLst>
-  </p:timing>
-</p:sld>
-</file>
-
-<file path=ppt/slides/slide5.xml><?xml version="1.0" encoding="utf-8"?>
-<p:sld xmlns:a="http://schemas.openxmlformats.org/drawingml/2006/main" xmlns:r="http://schemas.openxmlformats.org/officeDocument/2006/relationships" xmlns:p="http://schemas.openxmlformats.org/presentationml/2006/main">
-  <p:cSld>
-    <p:spTree>
-      <p:nvGrpSpPr>
-        <p:cNvPr id="1" name=""/>
-        <p:cNvGrpSpPr/>
-        <p:nvPr/>
-      </p:nvGrpSpPr>
-      <p:grpSpPr>
-        <a:xfrm>
-          <a:off x="0" y="0"/>
-          <a:ext cx="0" cy="0"/>
-          <a:chOff x="0" y="0"/>
-          <a:chExt cx="0" cy="0"/>
-        </a:xfrm>
-      </p:grpSpPr>
-      <p:sp>
-        <p:nvSpPr>
-          <p:cNvPr id="6" name="Title 5"/>
-          <p:cNvSpPr>
-            <a:spLocks noGrp="1"/>
-          </p:cNvSpPr>
-          <p:nvPr>
-            <p:ph type="title"/>
-          </p:nvPr>
-        </p:nvSpPr>
-        <p:spPr/>
-        <p:txBody>
-          <a:bodyPr/>
-          <a:lstStyle/>
-          <a:p>
-            <a:r>
-              <a:rPr lang="en-US" dirty="0" smtClean="0"/>
-              <a:t>A Few of Our Slogans</a:t>
-            </a:r>
-            <a:endParaRPr lang="en-US" dirty="0"/>
-          </a:p>
-        </p:txBody>
-      </p:sp>
-      <p:sp>
-        <p:nvSpPr>
-          <p:cNvPr id="7" name="Content Placeholder 6"/>
-          <p:cNvSpPr>
-            <a:spLocks noGrp="1"/>
-          </p:cNvSpPr>
-          <p:nvPr>
-            <p:ph idx="1"/>
-          </p:nvPr>
-        </p:nvSpPr>
-        <p:spPr/>
-        <p:txBody>
-          <a:bodyPr>
-            <a:normAutofit fontScale="92500"/>
-          </a:bodyPr>
-          <a:lstStyle/>
-          <a:p>
-            <a:r>
-              <a:rPr lang="en-US" dirty="0"/>
-              <a:t>We are also big on slogans.  We think they help focus your mind. </a:t>
-            </a:r>
-            <a:endParaRPr lang="en-US" dirty="0" smtClean="0"/>
-          </a:p>
-          <a:p>
-            <a:r>
-              <a:rPr lang="en-US" dirty="0" smtClean="0"/>
-              <a:t>Here </a:t>
-            </a:r>
-            <a:r>
-              <a:rPr lang="en-US" dirty="0"/>
-              <a:t>are our first few slogans</a:t>
-            </a:r>
-            <a:r>
-              <a:rPr lang="en-US" dirty="0" smtClean="0"/>
-              <a:t>.  You should write them down, too, in your own handwriting.</a:t>
-            </a:r>
-          </a:p>
-          <a:p>
-            <a:r>
-              <a:rPr lang="en-US" dirty="0" smtClean="0"/>
-              <a:t>In fact, whenever you see one of these blue tables, you should assume that this is something important, and you should probably write it down in your own handwriting so you can memorize it.</a:t>
-            </a:r>
-            <a:endParaRPr lang="en-US" dirty="0"/>
-          </a:p>
-          <a:p>
-            <a:endParaRPr lang="en-US" dirty="0"/>
-          </a:p>
-        </p:txBody>
-      </p:sp>
-      <p:sp>
-        <p:nvSpPr>
-          <p:cNvPr id="4" name="Slide Number Placeholder 3"/>
-          <p:cNvSpPr>
-            <a:spLocks noGrp="1"/>
-          </p:cNvSpPr>
-          <p:nvPr>
-            <p:ph type="sldNum" sz="quarter" idx="12"/>
-          </p:nvPr>
-        </p:nvSpPr>
-        <p:spPr/>
-        <p:txBody>
-          <a:bodyPr/>
-          <a:lstStyle/>
-          <a:p>
-            <a:fld id="{AB376464-0CAE-48CA-94A1-62F8E9374B4C}" type="slidenum">
-              <a:rPr lang="en-US" smtClean="0"/>
-              <a:pPr/>
-              <a:t>5</a:t>
-            </a:fld>
-            <a:endParaRPr lang="en-US"/>
-          </a:p>
-        </p:txBody>
-      </p:sp>
-    </p:spTree>
-    <p:extLst>
-      <p:ext uri="{BB962C8B-B14F-4D97-AF65-F5344CB8AC3E}">
-        <p14:creationId xmlns:p14="http://schemas.microsoft.com/office/powerpoint/2010/main" val="1562795398"/>
-      </p:ext>
-    </p:extLst>
-  </p:cSld>
-  <p:clrMapOvr>
-    <a:masterClrMapping/>
-  </p:clrMapOvr>
-  <p:timing>
-    <p:tnLst>
-      <p:par>
-        <p:cTn id="1" dur="indefinite" restart="never" nodeType="tmRoot"/>
-      </p:par>
-    </p:tnLst>
-  </p:timing>
-</p:sld>
-</file>
-
-<file path=ppt/slides/slide6.xml><?xml version="1.0" encoding="utf-8"?>
-<p:sld xmlns:a="http://schemas.openxmlformats.org/drawingml/2006/main" xmlns:r="http://schemas.openxmlformats.org/officeDocument/2006/relationships" xmlns:p="http://schemas.openxmlformats.org/presentationml/2006/main">
-  <p:cSld>
-    <p:spTree>
-      <p:nvGrpSpPr>
-        <p:cNvPr id="1" name=""/>
-        <p:cNvGrpSpPr/>
-        <p:nvPr/>
-      </p:nvGrpSpPr>
-      <p:grpSpPr>
-        <a:xfrm>
-          <a:off x="0" y="0"/>
-          <a:ext cx="0" cy="0"/>
-          <a:chOff x="0" y="0"/>
-          <a:chExt cx="0" cy="0"/>
-        </a:xfrm>
-      </p:grpSpPr>
-      <p:graphicFrame>
-        <p:nvGraphicFramePr>
-          <p:cNvPr id="4" name="Content Placeholder 3"/>
-          <p:cNvGraphicFramePr>
-            <a:graphicFrameLocks noGrp="1"/>
-          </p:cNvGraphicFramePr>
-          <p:nvPr>
-            <p:ph idx="1"/>
-            <p:extLst/>
-          </p:nvPr>
-        </p:nvGraphicFramePr>
-        <p:xfrm>
-          <a:off x="457200" y="914400"/>
-          <a:ext cx="8229600" cy="4450080"/>
-        </p:xfrm>
-        <a:graphic>
-          <a:graphicData uri="http://schemas.openxmlformats.org/drawingml/2006/table">
-            <a:tbl>
-              <a:tblPr firstRow="1" bandRow="1">
-                <a:tableStyleId>{5C22544A-7EE6-4342-B048-85BDC9FD1C3A}</a:tableStyleId>
-              </a:tblPr>
-              <a:tblGrid>
-                <a:gridCol w="8229600"/>
-              </a:tblGrid>
-              <a:tr h="370840">
-                <a:tc>
-                  <a:txBody>
-                    <a:bodyPr/>
-                    <a:lstStyle/>
-                    <a:p>
-                      <a:pPr algn="ctr"/>
-                      <a:r>
-                        <a:rPr lang="en-US" sz="3200" dirty="0" smtClean="0"/>
-                        <a:t>Some Slogans</a:t>
-                      </a:r>
-                      <a:endParaRPr lang="en-US" sz="3200" dirty="0"/>
-                    </a:p>
-                  </a:txBody>
-                  <a:tcPr/>
-                </a:tc>
-              </a:tr>
-              <a:tr h="370840">
-                <a:tc>
-                  <a:txBody>
-                    <a:bodyPr/>
-                    <a:lstStyle/>
-                    <a:p>
-                      <a:r>
-                        <a:rPr lang="en-US" sz="3200" dirty="0" smtClean="0"/>
-                        <a:t>1. Stick to the recipe!</a:t>
-                      </a:r>
-                      <a:endParaRPr lang="en-US" sz="3200" dirty="0"/>
-                    </a:p>
-                  </a:txBody>
-                  <a:tcPr/>
-                </a:tc>
-              </a:tr>
-              <a:tr h="289560">
-                <a:tc>
-                  <a:txBody>
-                    <a:bodyPr/>
-                    <a:lstStyle/>
-                    <a:p>
-                      <a:pPr marL="0" marR="0" indent="0" algn="l" defTabSz="914400" rtl="0" eaLnBrk="1" fontAlgn="auto" latinLnBrk="0" hangingPunct="1">
-                        <a:lnSpc>
-                          <a:spcPct val="100000"/>
-                        </a:lnSpc>
-                        <a:spcBef>
-                          <a:spcPts val="0"/>
-                        </a:spcBef>
-                        <a:spcAft>
-                          <a:spcPts val="0"/>
-                        </a:spcAft>
-                        <a:buClrTx/>
-                        <a:buSzTx/>
-                        <a:buFontTx/>
-                        <a:buNone/>
-                        <a:tabLst/>
-                        <a:defRPr/>
-                      </a:pPr>
-                      <a:r>
-                        <a:rPr lang="en-US" sz="3200" dirty="0" smtClean="0"/>
-                        <a:t>2. You</a:t>
-                      </a:r>
-                      <a:r>
-                        <a:rPr lang="en-US" sz="3200" baseline="0" dirty="0" smtClean="0"/>
-                        <a:t> don't understand it until you can give an example.</a:t>
-                      </a:r>
-                      <a:endParaRPr lang="en-US" sz="3200" dirty="0" smtClean="0"/>
-                    </a:p>
-                  </a:txBody>
-                  <a:tcPr/>
-                </a:tc>
-              </a:tr>
-              <a:tr h="289560">
-                <a:tc>
-                  <a:txBody>
-                    <a:bodyPr/>
-                    <a:lstStyle/>
-                    <a:p>
-                      <a:pPr marL="0" marR="0" indent="0" algn="l" defTabSz="914400" rtl="0" eaLnBrk="1" fontAlgn="auto" latinLnBrk="0" hangingPunct="1">
-                        <a:lnSpc>
-                          <a:spcPct val="100000"/>
-                        </a:lnSpc>
-                        <a:spcBef>
-                          <a:spcPts val="0"/>
-                        </a:spcBef>
-                        <a:spcAft>
-                          <a:spcPts val="0"/>
-                        </a:spcAft>
-                        <a:buClrTx/>
-                        <a:buSzTx/>
-                        <a:buFontTx/>
-                        <a:buNone/>
-                        <a:tabLst/>
-                        <a:defRPr/>
-                      </a:pPr>
-                      <a:r>
-                        <a:rPr lang="en-US" sz="3200" dirty="0" smtClean="0"/>
-                        <a:t>3. One</a:t>
-                      </a:r>
-                      <a:r>
-                        <a:rPr lang="en-US" sz="3200" baseline="0" dirty="0" smtClean="0"/>
-                        <a:t> function, one task.</a:t>
-                      </a:r>
-                      <a:endParaRPr lang="en-US" sz="3200" dirty="0" smtClean="0"/>
-                    </a:p>
-                  </a:txBody>
-                  <a:tcPr/>
-                </a:tc>
-              </a:tr>
-              <a:tr h="370840">
-                <a:tc>
-                  <a:txBody>
-                    <a:bodyPr/>
-                    <a:lstStyle/>
-                    <a:p>
-                      <a:r>
-                        <a:rPr lang="en-US" sz="3200" dirty="0" smtClean="0"/>
-                        <a:t>4.</a:t>
-                      </a:r>
-                      <a:r>
-                        <a:rPr lang="en-US" sz="3200" baseline="0" dirty="0" smtClean="0"/>
-                        <a:t> The Shape of the Data Determines the Shape of the Program.</a:t>
-                      </a:r>
-                      <a:endParaRPr lang="en-US" sz="3200" dirty="0"/>
-                    </a:p>
-                  </a:txBody>
-                  <a:tcPr/>
-                </a:tc>
-              </a:tr>
-              <a:tr h="370840">
-                <a:tc>
-                  <a:txBody>
-                    <a:bodyPr/>
-                    <a:lstStyle/>
-                    <a:p>
-                      <a:pPr marL="0" marR="0" indent="0" algn="l" defTabSz="914400" rtl="0" eaLnBrk="1" fontAlgn="auto" latinLnBrk="0" hangingPunct="1">
-                        <a:lnSpc>
-                          <a:spcPct val="100000"/>
-                        </a:lnSpc>
-                        <a:spcBef>
-                          <a:spcPts val="0"/>
-                        </a:spcBef>
-                        <a:spcAft>
-                          <a:spcPts val="0"/>
-                        </a:spcAft>
-                        <a:buClrTx/>
-                        <a:buSzTx/>
-                        <a:buFontTx/>
-                        <a:buNone/>
-                        <a:tabLst/>
-                        <a:defRPr/>
-                      </a:pPr>
-                      <a:r>
-                        <a:rPr lang="en-US" sz="3200" dirty="0" smtClean="0"/>
-                        <a:t>5. Practice</a:t>
-                      </a:r>
-                      <a:r>
-                        <a:rPr lang="en-US" sz="3200" baseline="0" dirty="0" smtClean="0"/>
-                        <a:t> makes perfect.</a:t>
-                      </a:r>
-                      <a:endParaRPr lang="en-US" sz="3200" dirty="0" smtClean="0"/>
-                    </a:p>
-                  </a:txBody>
-                  <a:tcPr/>
-                </a:tc>
-              </a:tr>
-            </a:tbl>
-          </a:graphicData>
-        </a:graphic>
-      </p:graphicFrame>
-      <p:sp>
-        <p:nvSpPr>
-          <p:cNvPr id="2" name="Slide Number Placeholder 1"/>
-          <p:cNvSpPr>
-            <a:spLocks noGrp="1"/>
-          </p:cNvSpPr>
-          <p:nvPr>
-            <p:ph type="sldNum" sz="quarter" idx="12"/>
-          </p:nvPr>
-        </p:nvSpPr>
-        <p:spPr/>
-        <p:txBody>
-          <a:bodyPr/>
-          <a:lstStyle/>
-          <a:p>
-            <a:fld id="{B6F15528-21DE-4FAA-801E-634DDDAF4B2B}" type="slidenum">
-              <a:rPr lang="en-US" smtClean="0">
-                <a:solidFill>
-                  <a:prstClr val="black">
-                    <a:tint val="75000"/>
-                  </a:prstClr>
-                </a:solidFill>
-              </a:rPr>
-              <a:pPr/>
-              <a:t>6</a:t>
-            </a:fld>
-            <a:endParaRPr lang="en-US" dirty="0">
-              <a:solidFill>
-                <a:prstClr val="black">
-                  <a:tint val="75000"/>
-                </a:prstClr>
-              </a:solidFill>
-            </a:endParaRPr>
-          </a:p>
-        </p:txBody>
-      </p:sp>
-    </p:spTree>
-    <p:extLst>
-      <p:ext uri="{BB962C8B-B14F-4D97-AF65-F5344CB8AC3E}">
-        <p14:creationId xmlns:p14="http://schemas.microsoft.com/office/powerpoint/2010/main" val="2738609881"/>
-      </p:ext>
-    </p:extLst>
-  </p:cSld>
-  <p:clrMapOvr>
-    <a:masterClrMapping/>
-  </p:clrMapOvr>
-  <p:timing>
-    <p:tnLst>
-      <p:par>
-        <p:cTn id="1" dur="indefinite" restart="never" nodeType="tmRoot"/>
-      </p:par>
-    </p:tnLst>
-  </p:timing>
-</p:sld>
-</file>
-
-<file path=ppt/slides/slide7.xml><?xml version="1.0" encoding="utf-8"?>
-<p:sld xmlns:a="http://schemas.openxmlformats.org/drawingml/2006/main" xmlns:r="http://schemas.openxmlformats.org/officeDocument/2006/relationships" xmlns:p="http://schemas.openxmlformats.org/presentationml/2006/main">
-  <p:cSld>
-    <p:spTree>
-      <p:nvGrpSpPr>
-        <p:cNvPr id="1" name=""/>
-        <p:cNvGrpSpPr/>
-        <p:nvPr/>
-      </p:nvGrpSpPr>
-      <p:grpSpPr>
-        <a:xfrm>
-          <a:off x="0" y="0"/>
-          <a:ext cx="0" cy="0"/>
-          <a:chOff x="0" y="0"/>
-          <a:chExt cx="0" cy="0"/>
-        </a:xfrm>
-      </p:grpSpPr>
-      <p:sp>
-        <p:nvSpPr>
-          <p:cNvPr id="2" name="Title 1"/>
-          <p:cNvSpPr>
-            <a:spLocks noGrp="1"/>
-          </p:cNvSpPr>
-          <p:nvPr>
-            <p:ph type="title"/>
-          </p:nvPr>
-        </p:nvSpPr>
-        <p:spPr/>
-        <p:txBody>
-          <a:bodyPr/>
-          <a:lstStyle/>
-          <a:p>
-            <a:r>
-              <a:rPr lang="en-US" dirty="0" smtClean="0"/>
-              <a:t>The Function Design Recipe</a:t>
-            </a:r>
-            <a:endParaRPr lang="en-US" dirty="0"/>
-          </a:p>
-        </p:txBody>
-      </p:sp>
-      <p:sp>
-        <p:nvSpPr>
-          <p:cNvPr id="3" name="Content Placeholder 2"/>
-          <p:cNvSpPr>
-            <a:spLocks noGrp="1"/>
-          </p:cNvSpPr>
-          <p:nvPr>
-            <p:ph idx="1"/>
-          </p:nvPr>
-        </p:nvSpPr>
-        <p:spPr/>
-        <p:txBody>
-          <a:bodyPr>
-            <a:normAutofit fontScale="92500" lnSpcReduction="20000"/>
-          </a:bodyPr>
-          <a:lstStyle/>
-          <a:p>
-            <a:r>
-              <a:rPr lang="en-US" dirty="0"/>
-              <a:t>The function design recipe is the most important thing in this course.  It is the basis for everything we do</a:t>
-            </a:r>
-            <a:r>
-              <a:rPr lang="en-US" dirty="0" smtClean="0"/>
-              <a:t>.</a:t>
-            </a:r>
-            <a:endParaRPr lang="en-US" dirty="0"/>
-          </a:p>
-          <a:p>
-            <a:r>
-              <a:rPr lang="en-US" dirty="0"/>
-              <a:t>It will give you a framework for attacking any programming problem, in any language.  Indeed, students have reported that they have found it useful in other courses, and even in their everyday life</a:t>
-            </a:r>
-            <a:r>
-              <a:rPr lang="en-US" dirty="0" smtClean="0"/>
-              <a:t>.</a:t>
-            </a:r>
-            <a:endParaRPr lang="en-US" dirty="0"/>
-          </a:p>
-          <a:p>
-            <a:r>
-              <a:rPr lang="en-US" dirty="0"/>
-              <a:t>With the recipe, you need never stare at an empty sheet of paper again. </a:t>
-            </a:r>
-            <a:endParaRPr lang="en-US" dirty="0" smtClean="0"/>
-          </a:p>
-          <a:p>
-            <a:r>
-              <a:rPr lang="en-US" dirty="0" smtClean="0"/>
-              <a:t>Here it is:</a:t>
-            </a:r>
-            <a:endParaRPr lang="en-US" dirty="0"/>
-          </a:p>
-        </p:txBody>
-      </p:sp>
-      <p:sp>
-        <p:nvSpPr>
-          <p:cNvPr id="4" name="Slide Number Placeholder 3"/>
-          <p:cNvSpPr>
-            <a:spLocks noGrp="1"/>
-          </p:cNvSpPr>
-          <p:nvPr>
-            <p:ph type="sldNum" sz="quarter" idx="12"/>
-          </p:nvPr>
-        </p:nvSpPr>
-        <p:spPr/>
-        <p:txBody>
-          <a:bodyPr/>
-          <a:lstStyle/>
-          <a:p>
-            <a:fld id="{AB376464-0CAE-48CA-94A1-62F8E9374B4C}" type="slidenum">
-              <a:rPr lang="en-US" smtClean="0"/>
-              <a:pPr/>
-              <a:t>7</a:t>
-            </a:fld>
-            <a:endParaRPr lang="en-US"/>
-          </a:p>
-        </p:txBody>
-      </p:sp>
-    </p:spTree>
-    <p:extLst>
-      <p:ext uri="{BB962C8B-B14F-4D97-AF65-F5344CB8AC3E}">
-        <p14:creationId xmlns:p14="http://schemas.microsoft.com/office/powerpoint/2010/main" val="300274765"/>
-      </p:ext>
-    </p:extLst>
-  </p:cSld>
-  <p:clrMapOvr>
-    <a:masterClrMapping/>
-  </p:clrMapOvr>
-  <p:timing>
-    <p:tnLst>
-      <p:par>
-        <p:cTn id="1" dur="indefinite" restart="never" nodeType="tmRoot"/>
-      </p:par>
-    </p:tnLst>
-  </p:timing>
-</p:sld>
-</file>
-
-<file path=ppt/slides/slide8.xml><?xml version="1.0" encoding="utf-8"?>
-<p:sld xmlns:a="http://schemas.openxmlformats.org/drawingml/2006/main" xmlns:r="http://schemas.openxmlformats.org/officeDocument/2006/relationships" xmlns:p="http://schemas.openxmlformats.org/presentationml/2006/main">
-  <p:cSld>
-    <p:spTree>
-      <p:nvGrpSpPr>
-        <p:cNvPr id="1" name=""/>
-        <p:cNvGrpSpPr/>
-        <p:nvPr/>
-      </p:nvGrpSpPr>
-      <p:grpSpPr>
-        <a:xfrm>
-          <a:off x="0" y="0"/>
-          <a:ext cx="0" cy="0"/>
-          <a:chOff x="0" y="0"/>
-          <a:chExt cx="0" cy="0"/>
-        </a:xfrm>
-      </p:grpSpPr>
-      <p:sp>
-        <p:nvSpPr>
-          <p:cNvPr id="2" name="Title 1"/>
-          <p:cNvSpPr>
-            <a:spLocks noGrp="1"/>
-          </p:cNvSpPr>
-          <p:nvPr>
-            <p:ph type="title"/>
-          </p:nvPr>
-        </p:nvSpPr>
-        <p:spPr/>
-        <p:txBody>
-          <a:bodyPr/>
-          <a:lstStyle/>
-          <a:p>
-            <a:r>
-              <a:rPr lang="en-US" dirty="0" smtClean="0"/>
-              <a:t>The Function Design Recipe</a:t>
-            </a:r>
-            <a:endParaRPr lang="en-US" dirty="0"/>
-          </a:p>
-        </p:txBody>
-      </p:sp>
-      <p:graphicFrame>
-        <p:nvGraphicFramePr>
-          <p:cNvPr id="4" name="Content Placeholder 3"/>
-          <p:cNvGraphicFramePr>
-            <a:graphicFrameLocks noGrp="1"/>
-          </p:cNvGraphicFramePr>
-          <p:nvPr>
-            <p:ph idx="1"/>
-            <p:extLst/>
-          </p:nvPr>
-        </p:nvGraphicFramePr>
-        <p:xfrm>
-          <a:off x="457200" y="1600200"/>
-          <a:ext cx="8229600" cy="4053840"/>
-        </p:xfrm>
-        <a:graphic>
-          <a:graphicData uri="http://schemas.openxmlformats.org/drawingml/2006/table">
-            <a:tbl>
-              <a:tblPr firstRow="1" bandRow="1">
-                <a:tableStyleId>{5C22544A-7EE6-4342-B048-85BDC9FD1C3A}</a:tableStyleId>
-              </a:tblPr>
-              <a:tblGrid>
-                <a:gridCol w="8229600"/>
-              </a:tblGrid>
-              <a:tr h="370840">
-                <a:tc>
-                  <a:txBody>
-                    <a:bodyPr/>
-                    <a:lstStyle/>
-                    <a:p>
-                      <a:pPr algn="ctr"/>
-                      <a:r>
-                        <a:rPr lang="en-US" sz="3200" dirty="0" smtClean="0"/>
-                        <a:t>The Function Design Recipe</a:t>
-                      </a:r>
-                      <a:endParaRPr lang="en-US" sz="3200" dirty="0"/>
-                    </a:p>
-                  </a:txBody>
-                  <a:tcPr/>
-                </a:tc>
-              </a:tr>
-              <a:tr h="370840">
-                <a:tc>
-                  <a:txBody>
-                    <a:bodyPr/>
-                    <a:lstStyle/>
-                    <a:p>
-                      <a:r>
-                        <a:rPr lang="en-US" sz="3200" dirty="0" smtClean="0"/>
-                        <a:t>1. Data Design</a:t>
-                      </a:r>
-                      <a:endParaRPr lang="en-US" sz="3200" dirty="0"/>
-                    </a:p>
-                  </a:txBody>
-                  <a:tcPr/>
-                </a:tc>
-              </a:tr>
-              <a:tr h="370840">
-                <a:tc>
-                  <a:txBody>
-                    <a:bodyPr/>
-                    <a:lstStyle/>
-                    <a:p>
-                      <a:r>
-                        <a:rPr lang="en-US" sz="3200" dirty="0" smtClean="0"/>
-                        <a:t>2. Contract and Purpose Statement</a:t>
-                      </a:r>
-                      <a:endParaRPr lang="en-US" sz="3200" dirty="0"/>
-                    </a:p>
-                  </a:txBody>
-                  <a:tcPr/>
-                </a:tc>
-              </a:tr>
-              <a:tr h="370840">
-                <a:tc>
-                  <a:txBody>
-                    <a:bodyPr/>
-                    <a:lstStyle/>
-                    <a:p>
-                      <a:r>
-                        <a:rPr lang="en-US" sz="3200" dirty="0" smtClean="0"/>
-                        <a:t>3.</a:t>
-                      </a:r>
-                      <a:r>
-                        <a:rPr lang="en-US" sz="3200" baseline="0" dirty="0" smtClean="0"/>
-                        <a:t> Examples and Tests</a:t>
-                      </a:r>
-                      <a:endParaRPr lang="en-US" sz="3200" dirty="0"/>
-                    </a:p>
-                  </a:txBody>
-                  <a:tcPr/>
-                </a:tc>
-              </a:tr>
-              <a:tr h="370840">
-                <a:tc>
-                  <a:txBody>
-                    <a:bodyPr/>
-                    <a:lstStyle/>
-                    <a:p>
-                      <a:r>
-                        <a:rPr lang="en-US" sz="3200" dirty="0" smtClean="0"/>
-                        <a:t>4. Design Strategy</a:t>
-                      </a:r>
-                    </a:p>
-                  </a:txBody>
-                  <a:tcPr/>
-                </a:tc>
-              </a:tr>
-              <a:tr h="370840">
-                <a:tc>
-                  <a:txBody>
-                    <a:bodyPr/>
-                    <a:lstStyle/>
-                    <a:p>
-                      <a:r>
-                        <a:rPr lang="en-US" sz="3200" dirty="0" smtClean="0"/>
-                        <a:t>5. Function Definition</a:t>
-                      </a:r>
-                      <a:endParaRPr lang="en-US" sz="3200" dirty="0"/>
-                    </a:p>
-                  </a:txBody>
-                  <a:tcPr/>
-                </a:tc>
-              </a:tr>
-              <a:tr h="370840">
-                <a:tc>
-                  <a:txBody>
-                    <a:bodyPr/>
-                    <a:lstStyle/>
-                    <a:p>
-                      <a:r>
-                        <a:rPr lang="en-US" sz="3200" dirty="0" smtClean="0"/>
-                        <a:t>6. Program</a:t>
-                      </a:r>
-                      <a:r>
-                        <a:rPr lang="en-US" sz="3200" baseline="0" dirty="0" smtClean="0"/>
-                        <a:t> Review</a:t>
-                      </a:r>
-                      <a:endParaRPr lang="en-US" sz="3200" dirty="0"/>
-                    </a:p>
-                  </a:txBody>
-                  <a:tcPr/>
-                </a:tc>
-              </a:tr>
-            </a:tbl>
-          </a:graphicData>
-        </a:graphic>
-      </p:graphicFrame>
-      <p:sp>
-        <p:nvSpPr>
-          <p:cNvPr id="5" name="TextBox 4"/>
-          <p:cNvSpPr txBox="1"/>
-          <p:nvPr/>
-        </p:nvSpPr>
-        <p:spPr>
-          <a:xfrm>
-            <a:off x="3810000" y="5181600"/>
-            <a:ext cx="5105400" cy="1323439"/>
-          </a:xfrm>
-          <a:prstGeom prst="rect">
-            <a:avLst/>
-          </a:prstGeom>
-          <a:gradFill flip="none" rotWithShape="1">
-            <a:gsLst>
-              <a:gs pos="0">
-                <a:schemeClr val="accent1">
-                  <a:tint val="66000"/>
-                  <a:satMod val="160000"/>
-                </a:schemeClr>
-              </a:gs>
-              <a:gs pos="50000">
-                <a:schemeClr val="accent1">
-                  <a:tint val="44500"/>
-                  <a:satMod val="160000"/>
-                </a:schemeClr>
-              </a:gs>
-              <a:gs pos="100000">
-                <a:schemeClr val="accent1">
-                  <a:tint val="23500"/>
-                  <a:satMod val="160000"/>
-                </a:schemeClr>
-              </a:gs>
-            </a:gsLst>
-            <a:lin ang="2700000" scaled="1"/>
-            <a:tileRect/>
-          </a:gradFill>
-          <a:ln w="28575">
-            <a:solidFill>
-              <a:schemeClr val="accent1"/>
-            </a:solidFill>
-          </a:ln>
-        </p:spPr>
-        <p:txBody>
-          <a:bodyPr wrap="square" rtlCol="0">
-            <a:spAutoFit/>
-          </a:bodyPr>
-          <a:lstStyle/>
-          <a:p>
-            <a:r>
-              <a:rPr lang="en-US" sz="2000" i="1" dirty="0" smtClean="0"/>
-              <a:t>This is important.  Write it down, in your own handwriting.  Keep it with you at all times.  Put it on your mirror.  Put it under your pillow.  I’m not kidding!</a:t>
-            </a:r>
-            <a:endParaRPr lang="en-US" sz="2000" i="1" dirty="0"/>
-          </a:p>
-        </p:txBody>
-      </p:sp>
-      <p:sp>
-        <p:nvSpPr>
-          <p:cNvPr id="3" name="Slide Number Placeholder 2"/>
-          <p:cNvSpPr>
-            <a:spLocks noGrp="1"/>
-          </p:cNvSpPr>
-          <p:nvPr>
-            <p:ph type="sldNum" sz="quarter" idx="12"/>
-          </p:nvPr>
-        </p:nvSpPr>
-        <p:spPr/>
-        <p:txBody>
-          <a:bodyPr/>
-          <a:lstStyle/>
-          <a:p>
-            <a:fld id="{B6F15528-21DE-4FAA-801E-634DDDAF4B2B}" type="slidenum">
-              <a:rPr lang="en-US" smtClean="0">
-                <a:solidFill>
-                  <a:prstClr val="black">
-                    <a:tint val="75000"/>
-                  </a:prstClr>
-                </a:solidFill>
-              </a:rPr>
-              <a:pPr/>
-              <a:t>8</a:t>
-            </a:fld>
-            <a:endParaRPr lang="en-US" dirty="0">
-              <a:solidFill>
-                <a:prstClr val="black">
-                  <a:tint val="75000"/>
-                </a:prstClr>
-              </a:solidFill>
-            </a:endParaRPr>
-          </a:p>
-        </p:txBody>
-      </p:sp>
-    </p:spTree>
-    <p:extLst>
-      <p:ext uri="{BB962C8B-B14F-4D97-AF65-F5344CB8AC3E}">
-        <p14:creationId xmlns:p14="http://schemas.microsoft.com/office/powerpoint/2010/main" val="643760004"/>
-      </p:ext>
-    </p:extLst>
-  </p:cSld>
-  <p:clrMapOvr>
-    <a:masterClrMapping/>
-  </p:clrMapOvr>
-  <p:timing>
-    <p:tnLst>
-      <p:par>
-        <p:cTn id="1" dur="indefinite" restart="never" nodeType="tmRoot">
-          <p:childTnLst>
-            <p:seq concurrent="1" nextAc="seek">
-              <p:cTn id="2" dur="indefinite" nodeType="mainSeq">
-                <p:childTnLst>
-                  <p:par>
-                    <p:cTn id="3" fill="hold">
-                      <p:stCondLst>
-                        <p:cond delay="indefinite"/>
-                      </p:stCondLst>
-                      <p:childTnLst>
-                        <p:par>
-                          <p:cTn id="4" fill="hold">
-                            <p:stCondLst>
-                              <p:cond delay="0"/>
-                            </p:stCondLst>
-                            <p:childTnLst>
-                              <p:par>
-                                <p:cTn id="5" presetID="1" presetClass="entr" presetSubtype="0" fill="hold" grpId="0" nodeType="clickEffect">
-                                  <p:stCondLst>
-                                    <p:cond delay="0"/>
-                                  </p:stCondLst>
-                                  <p:childTnLst>
-                                    <p:set>
-                                      <p:cBhvr>
-                                        <p:cTn id="6" dur="1" fill="hold">
-                                          <p:stCondLst>
-                                            <p:cond delay="0"/>
-                                          </p:stCondLst>
-                                        </p:cTn>
-                                        <p:tgtEl>
-                                          <p:spTgt spid="5">
-                                            <p:bg/>
-                                          </p:spTgt>
-                                        </p:tgtEl>
-                                        <p:attrNameLst>
-                                          <p:attrName>style.visibility</p:attrName>
-                                        </p:attrNameLst>
-                                      </p:cBhvr>
-                                      <p:to>
-                                        <p:strVal val="visible"/>
-                                      </p:to>
-                                    </p:set>
-                                  </p:childTnLst>
-                                </p:cTn>
-                              </p:par>
-                              <p:par>
-                                <p:cTn id="7" presetID="1" presetClass="entr" presetSubtype="0" fill="hold" grpId="0" nodeType="withEffect">
-                                  <p:stCondLst>
-                                    <p:cond delay="0"/>
-                                  </p:stCondLst>
-                                  <p:childTnLst>
-                                    <p:set>
-                                      <p:cBhvr>
-                                        <p:cTn id="8" dur="1" fill="hold">
-                                          <p:stCondLst>
-                                            <p:cond delay="0"/>
-                                          </p:stCondLst>
-                                        </p:cTn>
-                                        <p:tgtEl>
-                                          <p:spTgt spid="5">
-                                            <p:txEl>
-                                              <p:pRg st="0" end="0"/>
-                                            </p:txEl>
-                                          </p:spTgt>
-                                        </p:tgtEl>
-                                        <p:attrNameLst>
-                                          <p:attrName>style.visibility</p:attrName>
-                                        </p:attrNameLst>
-                                      </p:cBhvr>
-                                      <p:to>
-                                        <p:strVal val="visible"/>
-                                      </p:to>
-                                    </p:set>
-                                  </p:childTnLst>
-                                </p:cTn>
-                              </p:par>
-                            </p:childTnLst>
-                          </p:cTn>
-                        </p:par>
-                      </p:childTnLst>
-                    </p:cTn>
-                  </p:par>
-                </p:childTnLst>
-              </p:cTn>
-              <p:prevCondLst>
-                <p:cond evt="onPrev" delay="0">
-                  <p:tgtEl>
-                    <p:sldTgt/>
-                  </p:tgtEl>
-                </p:cond>
-              </p:prevCondLst>
-              <p:nextCondLst>
-                <p:cond evt="onNext" delay="0">
-                  <p:tgtEl>
-                    <p:sldTgt/>
-                  </p:tgtEl>
-                </p:cond>
-              </p:nextCondLst>
-            </p:seq>
-          </p:childTnLst>
-        </p:cTn>
-      </p:par>
-    </p:tnLst>
-    <p:bldLst>
-      <p:bldP spid="5" grpId="0" build="allAtOnce" animBg="1"/>
-    </p:bldLst>
-  </p:timing>
-</p:sld>
-</file>
-
-<file path=ppt/slides/slide9.xml><?xml version="1.0" encoding="utf-8"?>
 <p:sld xmlns:a="http://schemas.openxmlformats.org/drawingml/2006/main" xmlns:r="http://schemas.openxmlformats.org/officeDocument/2006/relationships" xmlns:p="http://schemas.openxmlformats.org/presentationml/2006/main">
   <p:cSld>
     <p:spTree>
@@ -7756,7 +6306,7 @@
                 </a:solidFill>
               </a:rPr>
               <a:pPr/>
-              <a:t>9</a:t>
+              <a:t>10</a:t>
             </a:fld>
             <a:endParaRPr lang="en-US">
               <a:solidFill>
@@ -7784,6 +6334,1812 @@
         <p:cTn id="1" dur="indefinite" restart="never" nodeType="tmRoot"/>
       </p:par>
     </p:tnLst>
+  </p:timing>
+</p:sld>
+</file>
+
+<file path=ppt/slides/slide11.xml><?xml version="1.0" encoding="utf-8"?>
+<p:sld xmlns:a="http://schemas.openxmlformats.org/drawingml/2006/main" xmlns:r="http://schemas.openxmlformats.org/officeDocument/2006/relationships" xmlns:p="http://schemas.openxmlformats.org/presentationml/2006/main">
+  <p:cSld>
+    <p:spTree>
+      <p:nvGrpSpPr>
+        <p:cNvPr id="1" name=""/>
+        <p:cNvGrpSpPr/>
+        <p:nvPr/>
+      </p:nvGrpSpPr>
+      <p:grpSpPr>
+        <a:xfrm>
+          <a:off x="0" y="0"/>
+          <a:ext cx="0" cy="0"/>
+          <a:chOff x="0" y="0"/>
+          <a:chExt cx="0" cy="0"/>
+        </a:xfrm>
+      </p:grpSpPr>
+      <p:sp>
+        <p:nvSpPr>
+          <p:cNvPr id="2" name="Title 1"/>
+          <p:cNvSpPr>
+            <a:spLocks noGrp="1"/>
+          </p:cNvSpPr>
+          <p:nvPr>
+            <p:ph type="title"/>
+          </p:nvPr>
+        </p:nvSpPr>
+        <p:spPr/>
+        <p:txBody>
+          <a:bodyPr/>
+          <a:lstStyle/>
+          <a:p>
+            <a:r>
+              <a:rPr lang="en-US" dirty="0" smtClean="0"/>
+              <a:t>Next Steps</a:t>
+            </a:r>
+            <a:endParaRPr lang="en-US" dirty="0"/>
+          </a:p>
+        </p:txBody>
+      </p:sp>
+      <p:sp>
+        <p:nvSpPr>
+          <p:cNvPr id="3" name="Content Placeholder 2"/>
+          <p:cNvSpPr>
+            <a:spLocks noGrp="1"/>
+          </p:cNvSpPr>
+          <p:nvPr>
+            <p:ph idx="1"/>
+          </p:nvPr>
+        </p:nvSpPr>
+        <p:spPr/>
+        <p:txBody>
+          <a:bodyPr/>
+          <a:lstStyle/>
+          <a:p>
+            <a:r>
+              <a:rPr lang="en-US" dirty="0" smtClean="0"/>
+              <a:t>If you have questions about this lesson, ask them on Piazza</a:t>
+            </a:r>
+          </a:p>
+          <a:p>
+            <a:r>
+              <a:rPr lang="en-US" dirty="0" smtClean="0"/>
+              <a:t>Go on to the next lesson</a:t>
+            </a:r>
+            <a:endParaRPr lang="en-US" dirty="0"/>
+          </a:p>
+        </p:txBody>
+      </p:sp>
+      <p:sp>
+        <p:nvSpPr>
+          <p:cNvPr id="4" name="Slide Number Placeholder 3"/>
+          <p:cNvSpPr>
+            <a:spLocks noGrp="1"/>
+          </p:cNvSpPr>
+          <p:nvPr>
+            <p:ph type="sldNum" sz="quarter" idx="12"/>
+          </p:nvPr>
+        </p:nvSpPr>
+        <p:spPr/>
+        <p:txBody>
+          <a:bodyPr/>
+          <a:lstStyle/>
+          <a:p>
+            <a:fld id="{B6F15528-21DE-4FAA-801E-634DDDAF4B2B}" type="slidenum">
+              <a:rPr lang="en-US" smtClean="0">
+                <a:solidFill>
+                  <a:prstClr val="black">
+                    <a:tint val="75000"/>
+                  </a:prstClr>
+                </a:solidFill>
+              </a:rPr>
+              <a:pPr/>
+              <a:t>11</a:t>
+            </a:fld>
+            <a:endParaRPr lang="en-US" dirty="0">
+              <a:solidFill>
+                <a:prstClr val="black">
+                  <a:tint val="75000"/>
+                </a:prstClr>
+              </a:solidFill>
+            </a:endParaRPr>
+          </a:p>
+        </p:txBody>
+      </p:sp>
+    </p:spTree>
+    <p:extLst>
+      <p:ext uri="{BB962C8B-B14F-4D97-AF65-F5344CB8AC3E}">
+        <p14:creationId xmlns:p14="http://schemas.microsoft.com/office/powerpoint/2010/main" val="82692490"/>
+      </p:ext>
+    </p:extLst>
+  </p:cSld>
+  <p:clrMapOvr>
+    <a:masterClrMapping/>
+  </p:clrMapOvr>
+  <p:timing>
+    <p:tnLst>
+      <p:par>
+        <p:cTn id="1" dur="indefinite" restart="never" nodeType="tmRoot"/>
+      </p:par>
+    </p:tnLst>
+  </p:timing>
+</p:sld>
+</file>
+
+<file path=ppt/slides/slide2.xml><?xml version="1.0" encoding="utf-8"?>
+<p:sld xmlns:a="http://schemas.openxmlformats.org/drawingml/2006/main" xmlns:r="http://schemas.openxmlformats.org/officeDocument/2006/relationships" xmlns:p="http://schemas.openxmlformats.org/presentationml/2006/main">
+  <p:cSld>
+    <p:spTree>
+      <p:nvGrpSpPr>
+        <p:cNvPr id="1" name=""/>
+        <p:cNvGrpSpPr/>
+        <p:nvPr/>
+      </p:nvGrpSpPr>
+      <p:grpSpPr>
+        <a:xfrm>
+          <a:off x="0" y="0"/>
+          <a:ext cx="0" cy="0"/>
+          <a:chOff x="0" y="0"/>
+          <a:chExt cx="0" cy="0"/>
+        </a:xfrm>
+      </p:grpSpPr>
+      <p:sp>
+        <p:nvSpPr>
+          <p:cNvPr id="2" name="Title 1"/>
+          <p:cNvSpPr>
+            <a:spLocks noGrp="1"/>
+          </p:cNvSpPr>
+          <p:nvPr>
+            <p:ph type="title"/>
+          </p:nvPr>
+        </p:nvSpPr>
+        <p:spPr/>
+        <p:txBody>
+          <a:bodyPr/>
+          <a:lstStyle/>
+          <a:p>
+            <a:r>
+              <a:rPr lang="en-US" dirty="0" smtClean="0"/>
+              <a:t>Learning Objectives</a:t>
+            </a:r>
+            <a:endParaRPr lang="en-US" dirty="0"/>
+          </a:p>
+        </p:txBody>
+      </p:sp>
+      <p:sp>
+        <p:nvSpPr>
+          <p:cNvPr id="3" name="Content Placeholder 2"/>
+          <p:cNvSpPr>
+            <a:spLocks noGrp="1"/>
+          </p:cNvSpPr>
+          <p:nvPr>
+            <p:ph idx="1"/>
+          </p:nvPr>
+        </p:nvSpPr>
+        <p:spPr/>
+        <p:txBody>
+          <a:bodyPr/>
+          <a:lstStyle/>
+          <a:p>
+            <a:r>
+              <a:rPr lang="en-US" dirty="0" smtClean="0"/>
+              <a:t>By the time you complete this lesson, you </a:t>
+            </a:r>
+            <a:r>
+              <a:rPr lang="en-US" dirty="0" smtClean="0"/>
+              <a:t>should be able to :</a:t>
+            </a:r>
+          </a:p>
+          <a:p>
+            <a:pPr lvl="1"/>
+            <a:r>
+              <a:rPr lang="en-US" dirty="0" smtClean="0"/>
+              <a:t>Explain </a:t>
+            </a:r>
+            <a:r>
+              <a:rPr lang="en-US" b="1" dirty="0" smtClean="0"/>
+              <a:t>the point </a:t>
+            </a:r>
+            <a:r>
+              <a:rPr lang="en-US" dirty="0" smtClean="0"/>
+              <a:t>of the course</a:t>
+            </a:r>
+            <a:endParaRPr lang="en-US" dirty="0" smtClean="0"/>
+          </a:p>
+          <a:p>
+            <a:pPr lvl="1"/>
+            <a:r>
+              <a:rPr lang="en-US" dirty="0" smtClean="0"/>
+              <a:t>list </a:t>
+            </a:r>
+            <a:r>
+              <a:rPr lang="en-US" dirty="0" smtClean="0"/>
+              <a:t>the 6 principles </a:t>
+            </a:r>
+            <a:r>
+              <a:rPr lang="en-US" dirty="0" smtClean="0"/>
+              <a:t>for writing beautiful programs</a:t>
+            </a:r>
+            <a:endParaRPr lang="en-US" dirty="0" smtClean="0"/>
+          </a:p>
+          <a:p>
+            <a:pPr lvl="1"/>
+            <a:r>
+              <a:rPr lang="en-US" dirty="0" smtClean="0"/>
+              <a:t>list the 6 steps of the design recipe</a:t>
+            </a:r>
+          </a:p>
+          <a:p>
+            <a:pPr lvl="1"/>
+            <a:r>
+              <a:rPr lang="en-US" dirty="0" smtClean="0"/>
+              <a:t>recite some of the slogans that we will use throughout the course.</a:t>
+            </a:r>
+          </a:p>
+        </p:txBody>
+      </p:sp>
+      <p:sp>
+        <p:nvSpPr>
+          <p:cNvPr id="4" name="Slide Number Placeholder 3"/>
+          <p:cNvSpPr>
+            <a:spLocks noGrp="1"/>
+          </p:cNvSpPr>
+          <p:nvPr>
+            <p:ph type="sldNum" sz="quarter" idx="12"/>
+          </p:nvPr>
+        </p:nvSpPr>
+        <p:spPr/>
+        <p:txBody>
+          <a:bodyPr/>
+          <a:lstStyle/>
+          <a:p>
+            <a:fld id="{AB376464-0CAE-48CA-94A1-62F8E9374B4C}" type="slidenum">
+              <a:rPr lang="en-US" smtClean="0"/>
+              <a:pPr/>
+              <a:t>2</a:t>
+            </a:fld>
+            <a:endParaRPr lang="en-US"/>
+          </a:p>
+        </p:txBody>
+      </p:sp>
+    </p:spTree>
+    <p:extLst>
+      <p:ext uri="{BB962C8B-B14F-4D97-AF65-F5344CB8AC3E}">
+        <p14:creationId xmlns:p14="http://schemas.microsoft.com/office/powerpoint/2010/main" val="4100148154"/>
+      </p:ext>
+    </p:extLst>
+  </p:cSld>
+  <p:clrMapOvr>
+    <a:masterClrMapping/>
+  </p:clrMapOvr>
+  <p:timing>
+    <p:tnLst>
+      <p:par>
+        <p:cTn id="1" dur="indefinite" restart="never" nodeType="tmRoot"/>
+      </p:par>
+    </p:tnLst>
+  </p:timing>
+</p:sld>
+</file>
+
+<file path=ppt/slides/slide3.xml><?xml version="1.0" encoding="utf-8"?>
+<p:sld xmlns:a="http://schemas.openxmlformats.org/drawingml/2006/main" xmlns:r="http://schemas.openxmlformats.org/officeDocument/2006/relationships" xmlns:p="http://schemas.openxmlformats.org/presentationml/2006/main">
+  <p:cSld>
+    <p:spTree>
+      <p:nvGrpSpPr>
+        <p:cNvPr id="1" name=""/>
+        <p:cNvGrpSpPr/>
+        <p:nvPr/>
+      </p:nvGrpSpPr>
+      <p:grpSpPr>
+        <a:xfrm>
+          <a:off x="0" y="0"/>
+          <a:ext cx="0" cy="0"/>
+          <a:chOff x="0" y="0"/>
+          <a:chExt cx="0" cy="0"/>
+        </a:xfrm>
+      </p:grpSpPr>
+      <p:graphicFrame>
+        <p:nvGraphicFramePr>
+          <p:cNvPr id="4" name="Content Placeholder 3"/>
+          <p:cNvGraphicFramePr>
+            <a:graphicFrameLocks noGrp="1"/>
+          </p:cNvGraphicFramePr>
+          <p:nvPr>
+            <p:ph idx="1"/>
+            <p:extLst>
+              <p:ext uri="{D42A27DB-BD31-4B8C-83A1-F6EECF244321}">
+                <p14:modId xmlns:p14="http://schemas.microsoft.com/office/powerpoint/2010/main" val="1797339037"/>
+              </p:ext>
+            </p:extLst>
+          </p:nvPr>
+        </p:nvGraphicFramePr>
+        <p:xfrm>
+          <a:off x="228600" y="914400"/>
+          <a:ext cx="8686800" cy="4023360"/>
+        </p:xfrm>
+        <a:graphic>
+          <a:graphicData uri="http://schemas.openxmlformats.org/drawingml/2006/table">
+            <a:tbl>
+              <a:tblPr firstRow="1" bandRow="1">
+                <a:tableStyleId>{5C22544A-7EE6-4342-B048-85BDC9FD1C3A}</a:tableStyleId>
+              </a:tblPr>
+              <a:tblGrid>
+                <a:gridCol w="8686800"/>
+              </a:tblGrid>
+              <a:tr h="1066800">
+                <a:tc>
+                  <a:txBody>
+                    <a:bodyPr/>
+                    <a:lstStyle/>
+                    <a:p>
+                      <a:pPr algn="ctr"/>
+                      <a:r>
+                        <a:rPr lang="en-US" sz="8000" dirty="0" smtClean="0"/>
+                        <a:t>The Point</a:t>
+                      </a:r>
+                      <a:endParaRPr lang="en-US" sz="8000" dirty="0"/>
+                    </a:p>
+                  </a:txBody>
+                  <a:tcPr/>
+                </a:tc>
+              </a:tr>
+              <a:tr h="370840">
+                <a:tc>
+                  <a:txBody>
+                    <a:bodyPr/>
+                    <a:lstStyle/>
+                    <a:p>
+                      <a:r>
+                        <a:rPr lang="en-US" sz="3200" dirty="0" smtClean="0"/>
+                        <a:t>1. It’s not calculus.</a:t>
+                      </a:r>
+                      <a:r>
+                        <a:rPr lang="en-US" sz="3200" baseline="0" dirty="0" smtClean="0"/>
+                        <a:t>  Getting the right answer is </a:t>
+                      </a:r>
+                      <a:r>
+                        <a:rPr lang="en-US" sz="3200" baseline="0" dirty="0" smtClean="0">
+                          <a:solidFill>
+                            <a:srgbClr val="FF0000"/>
+                          </a:solidFill>
+                          <a:latin typeface="Algerian" panose="04020705040A02060702" pitchFamily="82" charset="0"/>
+                        </a:rPr>
+                        <a:t>not enough</a:t>
+                      </a:r>
+                      <a:r>
+                        <a:rPr lang="en-US" sz="3200" baseline="0" dirty="0" smtClean="0"/>
+                        <a:t>.</a:t>
+                      </a:r>
+                      <a:endParaRPr lang="en-US" sz="3200" dirty="0"/>
+                    </a:p>
+                  </a:txBody>
+                  <a:tcPr/>
+                </a:tc>
+              </a:tr>
+              <a:tr h="370840">
+                <a:tc>
+                  <a:txBody>
+                    <a:bodyPr/>
+                    <a:lstStyle/>
+                    <a:p>
+                      <a:r>
+                        <a:rPr lang="en-US" sz="3200" dirty="0" smtClean="0"/>
+                        <a:t>2. The goal</a:t>
+                      </a:r>
+                      <a:r>
+                        <a:rPr lang="en-US" sz="3200" baseline="0" dirty="0" smtClean="0"/>
+                        <a:t> is to write </a:t>
+                      </a:r>
+                      <a:r>
+                        <a:rPr lang="en-US" sz="3200" i="0" baseline="0" dirty="0" smtClean="0">
+                          <a:solidFill>
+                            <a:srgbClr val="FF0000"/>
+                          </a:solidFill>
+                          <a:latin typeface="Algerian" panose="04020705040A02060702" pitchFamily="82" charset="0"/>
+                        </a:rPr>
+                        <a:t>beautiful programs</a:t>
+                      </a:r>
+                      <a:r>
+                        <a:rPr lang="en-US" sz="3200" baseline="0" dirty="0" smtClean="0"/>
+                        <a:t>.</a:t>
+                      </a:r>
+                      <a:endParaRPr lang="en-US" sz="3200" dirty="0"/>
+                    </a:p>
+                  </a:txBody>
+                  <a:tcPr/>
+                </a:tc>
+              </a:tr>
+              <a:tr h="370840">
+                <a:tc>
+                  <a:txBody>
+                    <a:bodyPr/>
+                    <a:lstStyle/>
+                    <a:p>
+                      <a:pPr marL="0" marR="0" indent="0" algn="l" defTabSz="914400" rtl="0" eaLnBrk="1" fontAlgn="auto" latinLnBrk="0" hangingPunct="1">
+                        <a:lnSpc>
+                          <a:spcPct val="100000"/>
+                        </a:lnSpc>
+                        <a:spcBef>
+                          <a:spcPts val="0"/>
+                        </a:spcBef>
+                        <a:spcAft>
+                          <a:spcPts val="0"/>
+                        </a:spcAft>
+                        <a:buClrTx/>
+                        <a:buSzTx/>
+                        <a:buFontTx/>
+                        <a:buNone/>
+                        <a:tabLst/>
+                        <a:defRPr/>
+                      </a:pPr>
+                      <a:r>
+                        <a:rPr lang="en-US" sz="3200" dirty="0" smtClean="0"/>
+                        <a:t>3.</a:t>
+                      </a:r>
+                      <a:r>
+                        <a:rPr lang="en-US" sz="3200" baseline="0" dirty="0" smtClean="0"/>
+                        <a:t> A beautiful program is one that is readable, understandable, and modifiable by people.</a:t>
+                      </a:r>
+                      <a:endParaRPr lang="en-US" sz="3200" dirty="0"/>
+                    </a:p>
+                  </a:txBody>
+                  <a:tcPr/>
+                </a:tc>
+              </a:tr>
+            </a:tbl>
+          </a:graphicData>
+        </a:graphic>
+      </p:graphicFrame>
+      <p:sp>
+        <p:nvSpPr>
+          <p:cNvPr id="2" name="Slide Number Placeholder 1"/>
+          <p:cNvSpPr>
+            <a:spLocks noGrp="1"/>
+          </p:cNvSpPr>
+          <p:nvPr>
+            <p:ph type="sldNum" sz="quarter" idx="12"/>
+          </p:nvPr>
+        </p:nvSpPr>
+        <p:spPr/>
+        <p:txBody>
+          <a:bodyPr/>
+          <a:lstStyle/>
+          <a:p>
+            <a:fld id="{2AF3B5EA-18B6-4040-9F78-6052AF49C681}" type="slidenum">
+              <a:rPr lang="en-US" smtClean="0"/>
+              <a:t>3</a:t>
+            </a:fld>
+            <a:endParaRPr lang="en-US"/>
+          </a:p>
+        </p:txBody>
+      </p:sp>
+    </p:spTree>
+    <p:extLst>
+      <p:ext uri="{BB962C8B-B14F-4D97-AF65-F5344CB8AC3E}">
+        <p14:creationId xmlns:p14="http://schemas.microsoft.com/office/powerpoint/2010/main" val="4150017753"/>
+      </p:ext>
+    </p:extLst>
+  </p:cSld>
+  <p:clrMapOvr>
+    <a:masterClrMapping/>
+  </p:clrMapOvr>
+  <p:timing>
+    <p:tnLst>
+      <p:par>
+        <p:cTn id="1" dur="indefinite" restart="never" nodeType="tmRoot"/>
+      </p:par>
+    </p:tnLst>
+  </p:timing>
+</p:sld>
+</file>
+
+<file path=ppt/slides/slide4.xml><?xml version="1.0" encoding="utf-8"?>
+<p:sld xmlns:a="http://schemas.openxmlformats.org/drawingml/2006/main" xmlns:r="http://schemas.openxmlformats.org/officeDocument/2006/relationships" xmlns:p="http://schemas.openxmlformats.org/presentationml/2006/main">
+  <p:cSld>
+    <p:spTree>
+      <p:nvGrpSpPr>
+        <p:cNvPr id="1" name=""/>
+        <p:cNvGrpSpPr/>
+        <p:nvPr/>
+      </p:nvGrpSpPr>
+      <p:grpSpPr>
+        <a:xfrm>
+          <a:off x="0" y="0"/>
+          <a:ext cx="0" cy="0"/>
+          <a:chOff x="0" y="0"/>
+          <a:chExt cx="0" cy="0"/>
+        </a:xfrm>
+      </p:grpSpPr>
+      <p:graphicFrame>
+        <p:nvGraphicFramePr>
+          <p:cNvPr id="4" name="Content Placeholder 3"/>
+          <p:cNvGraphicFramePr>
+            <a:graphicFrameLocks noGrp="1"/>
+          </p:cNvGraphicFramePr>
+          <p:nvPr>
+            <p:ph idx="1"/>
+            <p:extLst>
+              <p:ext uri="{D42A27DB-BD31-4B8C-83A1-F6EECF244321}">
+                <p14:modId xmlns:p14="http://schemas.microsoft.com/office/powerpoint/2010/main" val="521270488"/>
+              </p:ext>
+            </p:extLst>
+          </p:nvPr>
+        </p:nvGraphicFramePr>
+        <p:xfrm>
+          <a:off x="457200" y="426720"/>
+          <a:ext cx="8229600" cy="6004560"/>
+        </p:xfrm>
+        <a:graphic>
+          <a:graphicData uri="http://schemas.openxmlformats.org/drawingml/2006/table">
+            <a:tbl>
+              <a:tblPr firstRow="1" bandRow="1">
+                <a:tableStyleId>{5C22544A-7EE6-4342-B048-85BDC9FD1C3A}</a:tableStyleId>
+              </a:tblPr>
+              <a:tblGrid>
+                <a:gridCol w="8229600"/>
+              </a:tblGrid>
+              <a:tr h="370840">
+                <a:tc>
+                  <a:txBody>
+                    <a:bodyPr/>
+                    <a:lstStyle/>
+                    <a:p>
+                      <a:pPr algn="ctr"/>
+                      <a:r>
+                        <a:rPr lang="en-US" sz="3200" dirty="0" smtClean="0"/>
+                        <a:t>Principles for writing beautiful </a:t>
+                      </a:r>
+                      <a:r>
+                        <a:rPr lang="en-US" sz="3200" dirty="0" smtClean="0"/>
+                        <a:t>programs</a:t>
+                      </a:r>
+                      <a:endParaRPr lang="en-US" sz="3200" dirty="0"/>
+                    </a:p>
+                  </a:txBody>
+                  <a:tcPr/>
+                </a:tc>
+              </a:tr>
+              <a:tr h="370840">
+                <a:tc>
+                  <a:txBody>
+                    <a:bodyPr/>
+                    <a:lstStyle/>
+                    <a:p>
+                      <a:r>
+                        <a:rPr lang="en-US" sz="3200" dirty="0" smtClean="0"/>
+                        <a:t>1. Always</a:t>
+                      </a:r>
+                      <a:r>
+                        <a:rPr lang="en-US" sz="3200" baseline="0" dirty="0" smtClean="0"/>
+                        <a:t> remember: </a:t>
+                      </a:r>
+                      <a:r>
+                        <a:rPr lang="en-US" sz="3200" dirty="0" smtClean="0"/>
+                        <a:t>Programming is a People Discipline</a:t>
+                      </a:r>
+                      <a:endParaRPr lang="en-US" sz="3200" dirty="0"/>
+                    </a:p>
+                  </a:txBody>
+                  <a:tcPr/>
+                </a:tc>
+              </a:tr>
+              <a:tr h="370840">
+                <a:tc>
+                  <a:txBody>
+                    <a:bodyPr/>
+                    <a:lstStyle/>
+                    <a:p>
+                      <a:r>
+                        <a:rPr lang="en-US" sz="3200" dirty="0" smtClean="0"/>
+                        <a:t>2. Represent Information as Data; Interpret Data as Information</a:t>
+                      </a:r>
+                      <a:endParaRPr lang="en-US" sz="3200" dirty="0"/>
+                    </a:p>
+                  </a:txBody>
+                  <a:tcPr/>
+                </a:tc>
+              </a:tr>
+              <a:tr h="370840">
+                <a:tc>
+                  <a:txBody>
+                    <a:bodyPr/>
+                    <a:lstStyle/>
+                    <a:p>
+                      <a:pPr marL="0" marR="0" indent="0" algn="l" defTabSz="914400" rtl="0" eaLnBrk="1" fontAlgn="auto" latinLnBrk="0" hangingPunct="1">
+                        <a:lnSpc>
+                          <a:spcPct val="100000"/>
+                        </a:lnSpc>
+                        <a:spcBef>
+                          <a:spcPts val="0"/>
+                        </a:spcBef>
+                        <a:spcAft>
+                          <a:spcPts val="0"/>
+                        </a:spcAft>
+                        <a:buClrTx/>
+                        <a:buSzTx/>
+                        <a:buFontTx/>
+                        <a:buNone/>
+                        <a:tabLst/>
+                        <a:defRPr/>
+                      </a:pPr>
+                      <a:r>
+                        <a:rPr lang="en-US" sz="3200" dirty="0" smtClean="0"/>
+                        <a:t>3.</a:t>
+                      </a:r>
+                      <a:r>
+                        <a:rPr lang="en-US" sz="3200" baseline="0" dirty="0" smtClean="0"/>
+                        <a:t> Programs should consist of functions and methods that consume and produce values</a:t>
+                      </a:r>
+                      <a:endParaRPr lang="en-US" sz="3200" dirty="0"/>
+                    </a:p>
+                  </a:txBody>
+                  <a:tcPr/>
+                </a:tc>
+              </a:tr>
+              <a:tr h="370840">
+                <a:tc>
+                  <a:txBody>
+                    <a:bodyPr/>
+                    <a:lstStyle/>
+                    <a:p>
+                      <a:r>
+                        <a:rPr lang="en-US" sz="3200" dirty="0" smtClean="0"/>
+                        <a:t>4. Design Functions</a:t>
+                      </a:r>
+                      <a:r>
+                        <a:rPr lang="en-US" sz="3200" baseline="0" dirty="0" smtClean="0"/>
+                        <a:t> Systematically</a:t>
+                      </a:r>
+                      <a:endParaRPr lang="en-US" sz="3200" dirty="0" smtClean="0"/>
+                    </a:p>
+                  </a:txBody>
+                  <a:tcPr/>
+                </a:tc>
+              </a:tr>
+              <a:tr h="370840">
+                <a:tc>
+                  <a:txBody>
+                    <a:bodyPr/>
+                    <a:lstStyle/>
+                    <a:p>
+                      <a:r>
+                        <a:rPr lang="en-US" sz="3200" dirty="0" smtClean="0"/>
+                        <a:t>5. Design Systems Iteratively</a:t>
+                      </a:r>
+                      <a:endParaRPr lang="en-US" sz="3200" dirty="0"/>
+                    </a:p>
+                  </a:txBody>
+                  <a:tcPr/>
+                </a:tc>
+              </a:tr>
+              <a:tr h="370840">
+                <a:tc>
+                  <a:txBody>
+                    <a:bodyPr/>
+                    <a:lstStyle/>
+                    <a:p>
+                      <a:r>
+                        <a:rPr lang="en-US" sz="3200" dirty="0" smtClean="0"/>
+                        <a:t>6. Pass values when you can, share state only when you must.</a:t>
+                      </a:r>
+                      <a:endParaRPr lang="en-US" sz="3200" dirty="0"/>
+                    </a:p>
+                  </a:txBody>
+                  <a:tcPr/>
+                </a:tc>
+              </a:tr>
+            </a:tbl>
+          </a:graphicData>
+        </a:graphic>
+      </p:graphicFrame>
+      <p:sp>
+        <p:nvSpPr>
+          <p:cNvPr id="2" name="Slide Number Placeholder 1"/>
+          <p:cNvSpPr>
+            <a:spLocks noGrp="1"/>
+          </p:cNvSpPr>
+          <p:nvPr>
+            <p:ph type="sldNum" sz="quarter" idx="12"/>
+          </p:nvPr>
+        </p:nvSpPr>
+        <p:spPr/>
+        <p:txBody>
+          <a:bodyPr/>
+          <a:lstStyle/>
+          <a:p>
+            <a:fld id="{2AF3B5EA-18B6-4040-9F78-6052AF49C681}" type="slidenum">
+              <a:rPr lang="en-US" smtClean="0"/>
+              <a:t>4</a:t>
+            </a:fld>
+            <a:endParaRPr lang="en-US"/>
+          </a:p>
+        </p:txBody>
+      </p:sp>
+    </p:spTree>
+    <p:extLst>
+      <p:ext uri="{BB962C8B-B14F-4D97-AF65-F5344CB8AC3E}">
+        <p14:creationId xmlns:p14="http://schemas.microsoft.com/office/powerpoint/2010/main" val="1559939520"/>
+      </p:ext>
+    </p:extLst>
+  </p:cSld>
+  <p:clrMapOvr>
+    <a:masterClrMapping/>
+  </p:clrMapOvr>
+  <p:timing>
+    <p:tnLst>
+      <p:par>
+        <p:cTn id="1" dur="indefinite" restart="never" nodeType="tmRoot"/>
+      </p:par>
+    </p:tnLst>
+  </p:timing>
+</p:sld>
+</file>
+
+<file path=ppt/slides/slide5.xml><?xml version="1.0" encoding="utf-8"?>
+<p:sld xmlns:a="http://schemas.openxmlformats.org/drawingml/2006/main" xmlns:r="http://schemas.openxmlformats.org/officeDocument/2006/relationships" xmlns:p="http://schemas.openxmlformats.org/presentationml/2006/main">
+  <p:cSld>
+    <p:spTree>
+      <p:nvGrpSpPr>
+        <p:cNvPr id="1" name=""/>
+        <p:cNvGrpSpPr/>
+        <p:nvPr/>
+      </p:nvGrpSpPr>
+      <p:grpSpPr>
+        <a:xfrm>
+          <a:off x="0" y="0"/>
+          <a:ext cx="0" cy="0"/>
+          <a:chOff x="0" y="0"/>
+          <a:chExt cx="0" cy="0"/>
+        </a:xfrm>
+      </p:grpSpPr>
+      <p:sp>
+        <p:nvSpPr>
+          <p:cNvPr id="2" name="Title 1"/>
+          <p:cNvSpPr>
+            <a:spLocks noGrp="1"/>
+          </p:cNvSpPr>
+          <p:nvPr>
+            <p:ph type="title"/>
+          </p:nvPr>
+        </p:nvSpPr>
+        <p:spPr/>
+        <p:txBody>
+          <a:bodyPr/>
+          <a:lstStyle/>
+          <a:p>
+            <a:r>
+              <a:rPr lang="en-US" dirty="0" smtClean="0"/>
+              <a:t>Principles</a:t>
+            </a:r>
+            <a:endParaRPr lang="en-US" dirty="0"/>
+          </a:p>
+        </p:txBody>
+      </p:sp>
+      <p:sp>
+        <p:nvSpPr>
+          <p:cNvPr id="3" name="Content Placeholder 2"/>
+          <p:cNvSpPr>
+            <a:spLocks noGrp="1"/>
+          </p:cNvSpPr>
+          <p:nvPr>
+            <p:ph idx="1"/>
+          </p:nvPr>
+        </p:nvSpPr>
+        <p:spPr/>
+        <p:txBody>
+          <a:bodyPr/>
+          <a:lstStyle/>
+          <a:p>
+            <a:r>
+              <a:rPr lang="en-US" dirty="0" smtClean="0"/>
+              <a:t>Everything </a:t>
+            </a:r>
+            <a:r>
+              <a:rPr lang="en-US" dirty="0" smtClean="0"/>
+              <a:t>we do can be traced back to one or more of these principles.</a:t>
+            </a:r>
+          </a:p>
+          <a:p>
+            <a:r>
+              <a:rPr lang="en-US" dirty="0" smtClean="0"/>
+              <a:t>We will expand on each of them as we go along.</a:t>
+            </a:r>
+          </a:p>
+          <a:p>
+            <a:r>
+              <a:rPr lang="en-US" dirty="0" smtClean="0"/>
+              <a:t>Write </a:t>
+            </a:r>
+            <a:r>
+              <a:rPr lang="en-US" dirty="0" smtClean="0"/>
+              <a:t>these down, in your own handwriting.  Writing things down will help you remember them.</a:t>
+            </a:r>
+          </a:p>
+          <a:p>
+            <a:endParaRPr lang="en-US" dirty="0"/>
+          </a:p>
+        </p:txBody>
+      </p:sp>
+      <p:sp>
+        <p:nvSpPr>
+          <p:cNvPr id="4" name="Slide Number Placeholder 3"/>
+          <p:cNvSpPr>
+            <a:spLocks noGrp="1"/>
+          </p:cNvSpPr>
+          <p:nvPr>
+            <p:ph type="sldNum" sz="quarter" idx="12"/>
+          </p:nvPr>
+        </p:nvSpPr>
+        <p:spPr/>
+        <p:txBody>
+          <a:bodyPr/>
+          <a:lstStyle/>
+          <a:p>
+            <a:fld id="{AB376464-0CAE-48CA-94A1-62F8E9374B4C}" type="slidenum">
+              <a:rPr lang="en-US" smtClean="0"/>
+              <a:pPr/>
+              <a:t>5</a:t>
+            </a:fld>
+            <a:endParaRPr lang="en-US"/>
+          </a:p>
+        </p:txBody>
+      </p:sp>
+    </p:spTree>
+    <p:extLst>
+      <p:ext uri="{BB962C8B-B14F-4D97-AF65-F5344CB8AC3E}">
+        <p14:creationId xmlns:p14="http://schemas.microsoft.com/office/powerpoint/2010/main" val="4191556919"/>
+      </p:ext>
+    </p:extLst>
+  </p:cSld>
+  <p:clrMapOvr>
+    <a:masterClrMapping/>
+  </p:clrMapOvr>
+  <p:timing>
+    <p:tnLst>
+      <p:par>
+        <p:cTn id="1" dur="indefinite" restart="never" nodeType="tmRoot"/>
+      </p:par>
+    </p:tnLst>
+  </p:timing>
+</p:sld>
+</file>
+
+<file path=ppt/slides/slide6.xml><?xml version="1.0" encoding="utf-8"?>
+<p:sld xmlns:a="http://schemas.openxmlformats.org/drawingml/2006/main" xmlns:r="http://schemas.openxmlformats.org/officeDocument/2006/relationships" xmlns:p="http://schemas.openxmlformats.org/presentationml/2006/main">
+  <p:cSld>
+    <p:spTree>
+      <p:nvGrpSpPr>
+        <p:cNvPr id="1" name=""/>
+        <p:cNvGrpSpPr/>
+        <p:nvPr/>
+      </p:nvGrpSpPr>
+      <p:grpSpPr>
+        <a:xfrm>
+          <a:off x="0" y="0"/>
+          <a:ext cx="0" cy="0"/>
+          <a:chOff x="0" y="0"/>
+          <a:chExt cx="0" cy="0"/>
+        </a:xfrm>
+      </p:grpSpPr>
+      <p:sp>
+        <p:nvSpPr>
+          <p:cNvPr id="6" name="Title 5"/>
+          <p:cNvSpPr>
+            <a:spLocks noGrp="1"/>
+          </p:cNvSpPr>
+          <p:nvPr>
+            <p:ph type="title"/>
+          </p:nvPr>
+        </p:nvSpPr>
+        <p:spPr/>
+        <p:txBody>
+          <a:bodyPr/>
+          <a:lstStyle/>
+          <a:p>
+            <a:r>
+              <a:rPr lang="en-US" dirty="0" smtClean="0"/>
+              <a:t>A Few of Our Slogans</a:t>
+            </a:r>
+            <a:endParaRPr lang="en-US" dirty="0"/>
+          </a:p>
+        </p:txBody>
+      </p:sp>
+      <p:sp>
+        <p:nvSpPr>
+          <p:cNvPr id="7" name="Content Placeholder 6"/>
+          <p:cNvSpPr>
+            <a:spLocks noGrp="1"/>
+          </p:cNvSpPr>
+          <p:nvPr>
+            <p:ph idx="1"/>
+          </p:nvPr>
+        </p:nvSpPr>
+        <p:spPr/>
+        <p:txBody>
+          <a:bodyPr>
+            <a:normAutofit fontScale="92500"/>
+          </a:bodyPr>
+          <a:lstStyle/>
+          <a:p>
+            <a:r>
+              <a:rPr lang="en-US" dirty="0"/>
+              <a:t>We are also big on slogans.  We think they help focus your mind. </a:t>
+            </a:r>
+            <a:endParaRPr lang="en-US" dirty="0" smtClean="0"/>
+          </a:p>
+          <a:p>
+            <a:r>
+              <a:rPr lang="en-US" dirty="0" smtClean="0"/>
+              <a:t>Here </a:t>
+            </a:r>
+            <a:r>
+              <a:rPr lang="en-US" dirty="0"/>
+              <a:t>are our first few slogans</a:t>
+            </a:r>
+            <a:r>
+              <a:rPr lang="en-US" dirty="0" smtClean="0"/>
+              <a:t>.  You should write them down, too, in your own handwriting.</a:t>
+            </a:r>
+          </a:p>
+          <a:p>
+            <a:r>
+              <a:rPr lang="en-US" dirty="0" smtClean="0"/>
+              <a:t>In fact, whenever you see one of these blue tables, you should assume that this is something important, and you should probably write it down in your own handwriting so you can memorize it.</a:t>
+            </a:r>
+            <a:endParaRPr lang="en-US" dirty="0"/>
+          </a:p>
+          <a:p>
+            <a:endParaRPr lang="en-US" dirty="0"/>
+          </a:p>
+        </p:txBody>
+      </p:sp>
+      <p:sp>
+        <p:nvSpPr>
+          <p:cNvPr id="4" name="Slide Number Placeholder 3"/>
+          <p:cNvSpPr>
+            <a:spLocks noGrp="1"/>
+          </p:cNvSpPr>
+          <p:nvPr>
+            <p:ph type="sldNum" sz="quarter" idx="12"/>
+          </p:nvPr>
+        </p:nvSpPr>
+        <p:spPr/>
+        <p:txBody>
+          <a:bodyPr/>
+          <a:lstStyle/>
+          <a:p>
+            <a:fld id="{AB376464-0CAE-48CA-94A1-62F8E9374B4C}" type="slidenum">
+              <a:rPr lang="en-US" smtClean="0"/>
+              <a:pPr/>
+              <a:t>6</a:t>
+            </a:fld>
+            <a:endParaRPr lang="en-US"/>
+          </a:p>
+        </p:txBody>
+      </p:sp>
+    </p:spTree>
+    <p:extLst>
+      <p:ext uri="{BB962C8B-B14F-4D97-AF65-F5344CB8AC3E}">
+        <p14:creationId xmlns:p14="http://schemas.microsoft.com/office/powerpoint/2010/main" val="1562795398"/>
+      </p:ext>
+    </p:extLst>
+  </p:cSld>
+  <p:clrMapOvr>
+    <a:masterClrMapping/>
+  </p:clrMapOvr>
+  <p:timing>
+    <p:tnLst>
+      <p:par>
+        <p:cTn id="1" dur="indefinite" restart="never" nodeType="tmRoot"/>
+      </p:par>
+    </p:tnLst>
+  </p:timing>
+</p:sld>
+</file>
+
+<file path=ppt/slides/slide7.xml><?xml version="1.0" encoding="utf-8"?>
+<p:sld xmlns:a="http://schemas.openxmlformats.org/drawingml/2006/main" xmlns:r="http://schemas.openxmlformats.org/officeDocument/2006/relationships" xmlns:p="http://schemas.openxmlformats.org/presentationml/2006/main">
+  <p:cSld>
+    <p:spTree>
+      <p:nvGrpSpPr>
+        <p:cNvPr id="1" name=""/>
+        <p:cNvGrpSpPr/>
+        <p:nvPr/>
+      </p:nvGrpSpPr>
+      <p:grpSpPr>
+        <a:xfrm>
+          <a:off x="0" y="0"/>
+          <a:ext cx="0" cy="0"/>
+          <a:chOff x="0" y="0"/>
+          <a:chExt cx="0" cy="0"/>
+        </a:xfrm>
+      </p:grpSpPr>
+      <p:graphicFrame>
+        <p:nvGraphicFramePr>
+          <p:cNvPr id="4" name="Content Placeholder 3"/>
+          <p:cNvGraphicFramePr>
+            <a:graphicFrameLocks noGrp="1"/>
+          </p:cNvGraphicFramePr>
+          <p:nvPr>
+            <p:ph idx="1"/>
+            <p:extLst/>
+          </p:nvPr>
+        </p:nvGraphicFramePr>
+        <p:xfrm>
+          <a:off x="457200" y="914400"/>
+          <a:ext cx="8229600" cy="4450080"/>
+        </p:xfrm>
+        <a:graphic>
+          <a:graphicData uri="http://schemas.openxmlformats.org/drawingml/2006/table">
+            <a:tbl>
+              <a:tblPr firstRow="1" bandRow="1">
+                <a:tableStyleId>{5C22544A-7EE6-4342-B048-85BDC9FD1C3A}</a:tableStyleId>
+              </a:tblPr>
+              <a:tblGrid>
+                <a:gridCol w="8229600"/>
+              </a:tblGrid>
+              <a:tr h="370840">
+                <a:tc>
+                  <a:txBody>
+                    <a:bodyPr/>
+                    <a:lstStyle/>
+                    <a:p>
+                      <a:pPr algn="ctr"/>
+                      <a:r>
+                        <a:rPr lang="en-US" sz="3200" dirty="0" smtClean="0"/>
+                        <a:t>Some Slogans</a:t>
+                      </a:r>
+                      <a:endParaRPr lang="en-US" sz="3200" dirty="0"/>
+                    </a:p>
+                  </a:txBody>
+                  <a:tcPr/>
+                </a:tc>
+              </a:tr>
+              <a:tr h="370840">
+                <a:tc>
+                  <a:txBody>
+                    <a:bodyPr/>
+                    <a:lstStyle/>
+                    <a:p>
+                      <a:r>
+                        <a:rPr lang="en-US" sz="3200" dirty="0" smtClean="0"/>
+                        <a:t>1. Stick to the recipe!</a:t>
+                      </a:r>
+                      <a:endParaRPr lang="en-US" sz="3200" dirty="0"/>
+                    </a:p>
+                  </a:txBody>
+                  <a:tcPr/>
+                </a:tc>
+              </a:tr>
+              <a:tr h="289560">
+                <a:tc>
+                  <a:txBody>
+                    <a:bodyPr/>
+                    <a:lstStyle/>
+                    <a:p>
+                      <a:pPr marL="0" marR="0" indent="0" algn="l" defTabSz="914400" rtl="0" eaLnBrk="1" fontAlgn="auto" latinLnBrk="0" hangingPunct="1">
+                        <a:lnSpc>
+                          <a:spcPct val="100000"/>
+                        </a:lnSpc>
+                        <a:spcBef>
+                          <a:spcPts val="0"/>
+                        </a:spcBef>
+                        <a:spcAft>
+                          <a:spcPts val="0"/>
+                        </a:spcAft>
+                        <a:buClrTx/>
+                        <a:buSzTx/>
+                        <a:buFontTx/>
+                        <a:buNone/>
+                        <a:tabLst/>
+                        <a:defRPr/>
+                      </a:pPr>
+                      <a:r>
+                        <a:rPr lang="en-US" sz="3200" dirty="0" smtClean="0"/>
+                        <a:t>2. You</a:t>
+                      </a:r>
+                      <a:r>
+                        <a:rPr lang="en-US" sz="3200" baseline="0" dirty="0" smtClean="0"/>
+                        <a:t> don't understand it until you can give an example.</a:t>
+                      </a:r>
+                      <a:endParaRPr lang="en-US" sz="3200" dirty="0" smtClean="0"/>
+                    </a:p>
+                  </a:txBody>
+                  <a:tcPr/>
+                </a:tc>
+              </a:tr>
+              <a:tr h="289560">
+                <a:tc>
+                  <a:txBody>
+                    <a:bodyPr/>
+                    <a:lstStyle/>
+                    <a:p>
+                      <a:pPr marL="0" marR="0" indent="0" algn="l" defTabSz="914400" rtl="0" eaLnBrk="1" fontAlgn="auto" latinLnBrk="0" hangingPunct="1">
+                        <a:lnSpc>
+                          <a:spcPct val="100000"/>
+                        </a:lnSpc>
+                        <a:spcBef>
+                          <a:spcPts val="0"/>
+                        </a:spcBef>
+                        <a:spcAft>
+                          <a:spcPts val="0"/>
+                        </a:spcAft>
+                        <a:buClrTx/>
+                        <a:buSzTx/>
+                        <a:buFontTx/>
+                        <a:buNone/>
+                        <a:tabLst/>
+                        <a:defRPr/>
+                      </a:pPr>
+                      <a:r>
+                        <a:rPr lang="en-US" sz="3200" dirty="0" smtClean="0"/>
+                        <a:t>3. One</a:t>
+                      </a:r>
+                      <a:r>
+                        <a:rPr lang="en-US" sz="3200" baseline="0" dirty="0" smtClean="0"/>
+                        <a:t> function, one task.</a:t>
+                      </a:r>
+                      <a:endParaRPr lang="en-US" sz="3200" dirty="0" smtClean="0"/>
+                    </a:p>
+                  </a:txBody>
+                  <a:tcPr/>
+                </a:tc>
+              </a:tr>
+              <a:tr h="370840">
+                <a:tc>
+                  <a:txBody>
+                    <a:bodyPr/>
+                    <a:lstStyle/>
+                    <a:p>
+                      <a:r>
+                        <a:rPr lang="en-US" sz="3200" dirty="0" smtClean="0"/>
+                        <a:t>4.</a:t>
+                      </a:r>
+                      <a:r>
+                        <a:rPr lang="en-US" sz="3200" baseline="0" dirty="0" smtClean="0"/>
+                        <a:t> The Shape of the Data Determines the Shape of the Program.</a:t>
+                      </a:r>
+                      <a:endParaRPr lang="en-US" sz="3200" dirty="0"/>
+                    </a:p>
+                  </a:txBody>
+                  <a:tcPr/>
+                </a:tc>
+              </a:tr>
+              <a:tr h="370840">
+                <a:tc>
+                  <a:txBody>
+                    <a:bodyPr/>
+                    <a:lstStyle/>
+                    <a:p>
+                      <a:pPr marL="0" marR="0" indent="0" algn="l" defTabSz="914400" rtl="0" eaLnBrk="1" fontAlgn="auto" latinLnBrk="0" hangingPunct="1">
+                        <a:lnSpc>
+                          <a:spcPct val="100000"/>
+                        </a:lnSpc>
+                        <a:spcBef>
+                          <a:spcPts val="0"/>
+                        </a:spcBef>
+                        <a:spcAft>
+                          <a:spcPts val="0"/>
+                        </a:spcAft>
+                        <a:buClrTx/>
+                        <a:buSzTx/>
+                        <a:buFontTx/>
+                        <a:buNone/>
+                        <a:tabLst/>
+                        <a:defRPr/>
+                      </a:pPr>
+                      <a:r>
+                        <a:rPr lang="en-US" sz="3200" dirty="0" smtClean="0"/>
+                        <a:t>5. Practice</a:t>
+                      </a:r>
+                      <a:r>
+                        <a:rPr lang="en-US" sz="3200" baseline="0" dirty="0" smtClean="0"/>
+                        <a:t> makes perfect.</a:t>
+                      </a:r>
+                      <a:endParaRPr lang="en-US" sz="3200" dirty="0" smtClean="0"/>
+                    </a:p>
+                  </a:txBody>
+                  <a:tcPr/>
+                </a:tc>
+              </a:tr>
+            </a:tbl>
+          </a:graphicData>
+        </a:graphic>
+      </p:graphicFrame>
+      <p:sp>
+        <p:nvSpPr>
+          <p:cNvPr id="2" name="Slide Number Placeholder 1"/>
+          <p:cNvSpPr>
+            <a:spLocks noGrp="1"/>
+          </p:cNvSpPr>
+          <p:nvPr>
+            <p:ph type="sldNum" sz="quarter" idx="12"/>
+          </p:nvPr>
+        </p:nvSpPr>
+        <p:spPr/>
+        <p:txBody>
+          <a:bodyPr/>
+          <a:lstStyle/>
+          <a:p>
+            <a:fld id="{B6F15528-21DE-4FAA-801E-634DDDAF4B2B}" type="slidenum">
+              <a:rPr lang="en-US" smtClean="0">
+                <a:solidFill>
+                  <a:prstClr val="black">
+                    <a:tint val="75000"/>
+                  </a:prstClr>
+                </a:solidFill>
+              </a:rPr>
+              <a:pPr/>
+              <a:t>7</a:t>
+            </a:fld>
+            <a:endParaRPr lang="en-US" dirty="0">
+              <a:solidFill>
+                <a:prstClr val="black">
+                  <a:tint val="75000"/>
+                </a:prstClr>
+              </a:solidFill>
+            </a:endParaRPr>
+          </a:p>
+        </p:txBody>
+      </p:sp>
+    </p:spTree>
+    <p:extLst>
+      <p:ext uri="{BB962C8B-B14F-4D97-AF65-F5344CB8AC3E}">
+        <p14:creationId xmlns:p14="http://schemas.microsoft.com/office/powerpoint/2010/main" val="2738609881"/>
+      </p:ext>
+    </p:extLst>
+  </p:cSld>
+  <p:clrMapOvr>
+    <a:masterClrMapping/>
+  </p:clrMapOvr>
+  <p:timing>
+    <p:tnLst>
+      <p:par>
+        <p:cTn id="1" dur="indefinite" restart="never" nodeType="tmRoot"/>
+      </p:par>
+    </p:tnLst>
+  </p:timing>
+</p:sld>
+</file>
+
+<file path=ppt/slides/slide8.xml><?xml version="1.0" encoding="utf-8"?>
+<p:sld xmlns:a="http://schemas.openxmlformats.org/drawingml/2006/main" xmlns:r="http://schemas.openxmlformats.org/officeDocument/2006/relationships" xmlns:p="http://schemas.openxmlformats.org/presentationml/2006/main">
+  <p:cSld>
+    <p:spTree>
+      <p:nvGrpSpPr>
+        <p:cNvPr id="1" name=""/>
+        <p:cNvGrpSpPr/>
+        <p:nvPr/>
+      </p:nvGrpSpPr>
+      <p:grpSpPr>
+        <a:xfrm>
+          <a:off x="0" y="0"/>
+          <a:ext cx="0" cy="0"/>
+          <a:chOff x="0" y="0"/>
+          <a:chExt cx="0" cy="0"/>
+        </a:xfrm>
+      </p:grpSpPr>
+      <p:sp>
+        <p:nvSpPr>
+          <p:cNvPr id="2" name="Title 1"/>
+          <p:cNvSpPr>
+            <a:spLocks noGrp="1"/>
+          </p:cNvSpPr>
+          <p:nvPr>
+            <p:ph type="title"/>
+          </p:nvPr>
+        </p:nvSpPr>
+        <p:spPr/>
+        <p:txBody>
+          <a:bodyPr/>
+          <a:lstStyle/>
+          <a:p>
+            <a:r>
+              <a:rPr lang="en-US" dirty="0" smtClean="0"/>
+              <a:t>The Function Design Recipe</a:t>
+            </a:r>
+            <a:endParaRPr lang="en-US" dirty="0"/>
+          </a:p>
+        </p:txBody>
+      </p:sp>
+      <p:sp>
+        <p:nvSpPr>
+          <p:cNvPr id="3" name="Content Placeholder 2"/>
+          <p:cNvSpPr>
+            <a:spLocks noGrp="1"/>
+          </p:cNvSpPr>
+          <p:nvPr>
+            <p:ph idx="1"/>
+          </p:nvPr>
+        </p:nvSpPr>
+        <p:spPr/>
+        <p:txBody>
+          <a:bodyPr>
+            <a:normAutofit fontScale="92500" lnSpcReduction="20000"/>
+          </a:bodyPr>
+          <a:lstStyle/>
+          <a:p>
+            <a:r>
+              <a:rPr lang="en-US" dirty="0"/>
+              <a:t>The function design recipe is the most important thing in this course.  It is the basis for everything we do</a:t>
+            </a:r>
+            <a:r>
+              <a:rPr lang="en-US" dirty="0" smtClean="0"/>
+              <a:t>.</a:t>
+            </a:r>
+            <a:endParaRPr lang="en-US" dirty="0"/>
+          </a:p>
+          <a:p>
+            <a:r>
+              <a:rPr lang="en-US" dirty="0"/>
+              <a:t>It will give you a framework for attacking any programming problem, in any language.  Indeed, students have reported that they have found it useful in other courses, and even in their everyday life</a:t>
+            </a:r>
+            <a:r>
+              <a:rPr lang="en-US" dirty="0" smtClean="0"/>
+              <a:t>.</a:t>
+            </a:r>
+            <a:endParaRPr lang="en-US" dirty="0"/>
+          </a:p>
+          <a:p>
+            <a:r>
+              <a:rPr lang="en-US" dirty="0"/>
+              <a:t>With the recipe, you need never stare at an empty sheet of paper again. </a:t>
+            </a:r>
+            <a:endParaRPr lang="en-US" dirty="0" smtClean="0"/>
+          </a:p>
+          <a:p>
+            <a:r>
+              <a:rPr lang="en-US" dirty="0" smtClean="0"/>
+              <a:t>Here it is:</a:t>
+            </a:r>
+            <a:endParaRPr lang="en-US" dirty="0"/>
+          </a:p>
+        </p:txBody>
+      </p:sp>
+      <p:sp>
+        <p:nvSpPr>
+          <p:cNvPr id="4" name="Slide Number Placeholder 3"/>
+          <p:cNvSpPr>
+            <a:spLocks noGrp="1"/>
+          </p:cNvSpPr>
+          <p:nvPr>
+            <p:ph type="sldNum" sz="quarter" idx="12"/>
+          </p:nvPr>
+        </p:nvSpPr>
+        <p:spPr/>
+        <p:txBody>
+          <a:bodyPr/>
+          <a:lstStyle/>
+          <a:p>
+            <a:fld id="{AB376464-0CAE-48CA-94A1-62F8E9374B4C}" type="slidenum">
+              <a:rPr lang="en-US" smtClean="0"/>
+              <a:pPr/>
+              <a:t>8</a:t>
+            </a:fld>
+            <a:endParaRPr lang="en-US"/>
+          </a:p>
+        </p:txBody>
+      </p:sp>
+    </p:spTree>
+    <p:extLst>
+      <p:ext uri="{BB962C8B-B14F-4D97-AF65-F5344CB8AC3E}">
+        <p14:creationId xmlns:p14="http://schemas.microsoft.com/office/powerpoint/2010/main" val="300274765"/>
+      </p:ext>
+    </p:extLst>
+  </p:cSld>
+  <p:clrMapOvr>
+    <a:masterClrMapping/>
+  </p:clrMapOvr>
+  <p:timing>
+    <p:tnLst>
+      <p:par>
+        <p:cTn id="1" dur="indefinite" restart="never" nodeType="tmRoot"/>
+      </p:par>
+    </p:tnLst>
+  </p:timing>
+</p:sld>
+</file>
+
+<file path=ppt/slides/slide9.xml><?xml version="1.0" encoding="utf-8"?>
+<p:sld xmlns:a="http://schemas.openxmlformats.org/drawingml/2006/main" xmlns:r="http://schemas.openxmlformats.org/officeDocument/2006/relationships" xmlns:p="http://schemas.openxmlformats.org/presentationml/2006/main">
+  <p:cSld>
+    <p:spTree>
+      <p:nvGrpSpPr>
+        <p:cNvPr id="1" name=""/>
+        <p:cNvGrpSpPr/>
+        <p:nvPr/>
+      </p:nvGrpSpPr>
+      <p:grpSpPr>
+        <a:xfrm>
+          <a:off x="0" y="0"/>
+          <a:ext cx="0" cy="0"/>
+          <a:chOff x="0" y="0"/>
+          <a:chExt cx="0" cy="0"/>
+        </a:xfrm>
+      </p:grpSpPr>
+      <p:sp>
+        <p:nvSpPr>
+          <p:cNvPr id="2" name="Title 1"/>
+          <p:cNvSpPr>
+            <a:spLocks noGrp="1"/>
+          </p:cNvSpPr>
+          <p:nvPr>
+            <p:ph type="title"/>
+          </p:nvPr>
+        </p:nvSpPr>
+        <p:spPr/>
+        <p:txBody>
+          <a:bodyPr/>
+          <a:lstStyle/>
+          <a:p>
+            <a:r>
+              <a:rPr lang="en-US" dirty="0" smtClean="0"/>
+              <a:t>The Function Design Recipe</a:t>
+            </a:r>
+            <a:endParaRPr lang="en-US" dirty="0"/>
+          </a:p>
+        </p:txBody>
+      </p:sp>
+      <p:graphicFrame>
+        <p:nvGraphicFramePr>
+          <p:cNvPr id="4" name="Content Placeholder 3"/>
+          <p:cNvGraphicFramePr>
+            <a:graphicFrameLocks noGrp="1"/>
+          </p:cNvGraphicFramePr>
+          <p:nvPr>
+            <p:ph idx="1"/>
+            <p:extLst/>
+          </p:nvPr>
+        </p:nvGraphicFramePr>
+        <p:xfrm>
+          <a:off x="457200" y="1600200"/>
+          <a:ext cx="8229600" cy="4053840"/>
+        </p:xfrm>
+        <a:graphic>
+          <a:graphicData uri="http://schemas.openxmlformats.org/drawingml/2006/table">
+            <a:tbl>
+              <a:tblPr firstRow="1" bandRow="1">
+                <a:tableStyleId>{5C22544A-7EE6-4342-B048-85BDC9FD1C3A}</a:tableStyleId>
+              </a:tblPr>
+              <a:tblGrid>
+                <a:gridCol w="8229600"/>
+              </a:tblGrid>
+              <a:tr h="370840">
+                <a:tc>
+                  <a:txBody>
+                    <a:bodyPr/>
+                    <a:lstStyle/>
+                    <a:p>
+                      <a:pPr algn="ctr"/>
+                      <a:r>
+                        <a:rPr lang="en-US" sz="3200" dirty="0" smtClean="0"/>
+                        <a:t>The Function Design Recipe</a:t>
+                      </a:r>
+                      <a:endParaRPr lang="en-US" sz="3200" dirty="0"/>
+                    </a:p>
+                  </a:txBody>
+                  <a:tcPr/>
+                </a:tc>
+              </a:tr>
+              <a:tr h="370840">
+                <a:tc>
+                  <a:txBody>
+                    <a:bodyPr/>
+                    <a:lstStyle/>
+                    <a:p>
+                      <a:r>
+                        <a:rPr lang="en-US" sz="3200" dirty="0" smtClean="0"/>
+                        <a:t>1. Data Design</a:t>
+                      </a:r>
+                      <a:endParaRPr lang="en-US" sz="3200" dirty="0"/>
+                    </a:p>
+                  </a:txBody>
+                  <a:tcPr/>
+                </a:tc>
+              </a:tr>
+              <a:tr h="370840">
+                <a:tc>
+                  <a:txBody>
+                    <a:bodyPr/>
+                    <a:lstStyle/>
+                    <a:p>
+                      <a:r>
+                        <a:rPr lang="en-US" sz="3200" dirty="0" smtClean="0"/>
+                        <a:t>2. Contract and Purpose Statement</a:t>
+                      </a:r>
+                      <a:endParaRPr lang="en-US" sz="3200" dirty="0"/>
+                    </a:p>
+                  </a:txBody>
+                  <a:tcPr/>
+                </a:tc>
+              </a:tr>
+              <a:tr h="370840">
+                <a:tc>
+                  <a:txBody>
+                    <a:bodyPr/>
+                    <a:lstStyle/>
+                    <a:p>
+                      <a:r>
+                        <a:rPr lang="en-US" sz="3200" dirty="0" smtClean="0"/>
+                        <a:t>3.</a:t>
+                      </a:r>
+                      <a:r>
+                        <a:rPr lang="en-US" sz="3200" baseline="0" dirty="0" smtClean="0"/>
+                        <a:t> Examples and Tests</a:t>
+                      </a:r>
+                      <a:endParaRPr lang="en-US" sz="3200" dirty="0"/>
+                    </a:p>
+                  </a:txBody>
+                  <a:tcPr/>
+                </a:tc>
+              </a:tr>
+              <a:tr h="370840">
+                <a:tc>
+                  <a:txBody>
+                    <a:bodyPr/>
+                    <a:lstStyle/>
+                    <a:p>
+                      <a:r>
+                        <a:rPr lang="en-US" sz="3200" dirty="0" smtClean="0"/>
+                        <a:t>4. Design Strategy</a:t>
+                      </a:r>
+                    </a:p>
+                  </a:txBody>
+                  <a:tcPr/>
+                </a:tc>
+              </a:tr>
+              <a:tr h="370840">
+                <a:tc>
+                  <a:txBody>
+                    <a:bodyPr/>
+                    <a:lstStyle/>
+                    <a:p>
+                      <a:r>
+                        <a:rPr lang="en-US" sz="3200" dirty="0" smtClean="0"/>
+                        <a:t>5. Function Definition</a:t>
+                      </a:r>
+                      <a:endParaRPr lang="en-US" sz="3200" dirty="0"/>
+                    </a:p>
+                  </a:txBody>
+                  <a:tcPr/>
+                </a:tc>
+              </a:tr>
+              <a:tr h="370840">
+                <a:tc>
+                  <a:txBody>
+                    <a:bodyPr/>
+                    <a:lstStyle/>
+                    <a:p>
+                      <a:r>
+                        <a:rPr lang="en-US" sz="3200" dirty="0" smtClean="0"/>
+                        <a:t>6. Program</a:t>
+                      </a:r>
+                      <a:r>
+                        <a:rPr lang="en-US" sz="3200" baseline="0" dirty="0" smtClean="0"/>
+                        <a:t> Review</a:t>
+                      </a:r>
+                      <a:endParaRPr lang="en-US" sz="3200" dirty="0"/>
+                    </a:p>
+                  </a:txBody>
+                  <a:tcPr/>
+                </a:tc>
+              </a:tr>
+            </a:tbl>
+          </a:graphicData>
+        </a:graphic>
+      </p:graphicFrame>
+      <p:sp>
+        <p:nvSpPr>
+          <p:cNvPr id="5" name="TextBox 4"/>
+          <p:cNvSpPr txBox="1"/>
+          <p:nvPr/>
+        </p:nvSpPr>
+        <p:spPr>
+          <a:xfrm>
+            <a:off x="3810000" y="5181600"/>
+            <a:ext cx="5105400" cy="1323439"/>
+          </a:xfrm>
+          <a:prstGeom prst="rect">
+            <a:avLst/>
+          </a:prstGeom>
+          <a:gradFill flip="none" rotWithShape="1">
+            <a:gsLst>
+              <a:gs pos="0">
+                <a:schemeClr val="accent1">
+                  <a:tint val="66000"/>
+                  <a:satMod val="160000"/>
+                </a:schemeClr>
+              </a:gs>
+              <a:gs pos="50000">
+                <a:schemeClr val="accent1">
+                  <a:tint val="44500"/>
+                  <a:satMod val="160000"/>
+                </a:schemeClr>
+              </a:gs>
+              <a:gs pos="100000">
+                <a:schemeClr val="accent1">
+                  <a:tint val="23500"/>
+                  <a:satMod val="160000"/>
+                </a:schemeClr>
+              </a:gs>
+            </a:gsLst>
+            <a:lin ang="2700000" scaled="1"/>
+            <a:tileRect/>
+          </a:gradFill>
+          <a:ln w="28575">
+            <a:solidFill>
+              <a:schemeClr val="accent1"/>
+            </a:solidFill>
+          </a:ln>
+        </p:spPr>
+        <p:txBody>
+          <a:bodyPr wrap="square" rtlCol="0">
+            <a:spAutoFit/>
+          </a:bodyPr>
+          <a:lstStyle/>
+          <a:p>
+            <a:r>
+              <a:rPr lang="en-US" sz="2000" i="1" dirty="0" smtClean="0"/>
+              <a:t>This is important.  Write it down, in your own handwriting.  Keep it with you at all times.  Put it on your mirror.  Put it under your pillow.  I’m not kidding!</a:t>
+            </a:r>
+            <a:endParaRPr lang="en-US" sz="2000" i="1" dirty="0"/>
+          </a:p>
+        </p:txBody>
+      </p:sp>
+      <p:sp>
+        <p:nvSpPr>
+          <p:cNvPr id="3" name="Slide Number Placeholder 2"/>
+          <p:cNvSpPr>
+            <a:spLocks noGrp="1"/>
+          </p:cNvSpPr>
+          <p:nvPr>
+            <p:ph type="sldNum" sz="quarter" idx="12"/>
+          </p:nvPr>
+        </p:nvSpPr>
+        <p:spPr/>
+        <p:txBody>
+          <a:bodyPr/>
+          <a:lstStyle/>
+          <a:p>
+            <a:fld id="{B6F15528-21DE-4FAA-801E-634DDDAF4B2B}" type="slidenum">
+              <a:rPr lang="en-US" smtClean="0">
+                <a:solidFill>
+                  <a:prstClr val="black">
+                    <a:tint val="75000"/>
+                  </a:prstClr>
+                </a:solidFill>
+              </a:rPr>
+              <a:pPr/>
+              <a:t>9</a:t>
+            </a:fld>
+            <a:endParaRPr lang="en-US" dirty="0">
+              <a:solidFill>
+                <a:prstClr val="black">
+                  <a:tint val="75000"/>
+                </a:prstClr>
+              </a:solidFill>
+            </a:endParaRPr>
+          </a:p>
+        </p:txBody>
+      </p:sp>
+    </p:spTree>
+    <p:extLst>
+      <p:ext uri="{BB962C8B-B14F-4D97-AF65-F5344CB8AC3E}">
+        <p14:creationId xmlns:p14="http://schemas.microsoft.com/office/powerpoint/2010/main" val="643760004"/>
+      </p:ext>
+    </p:extLst>
+  </p:cSld>
+  <p:clrMapOvr>
+    <a:masterClrMapping/>
+  </p:clrMapOvr>
+  <p:timing>
+    <p:tnLst>
+      <p:par>
+        <p:cTn id="1" dur="indefinite" restart="never" nodeType="tmRoot">
+          <p:childTnLst>
+            <p:seq concurrent="1" nextAc="seek">
+              <p:cTn id="2" dur="indefinite" nodeType="mainSeq">
+                <p:childTnLst>
+                  <p:par>
+                    <p:cTn id="3" fill="hold">
+                      <p:stCondLst>
+                        <p:cond delay="indefinite"/>
+                      </p:stCondLst>
+                      <p:childTnLst>
+                        <p:par>
+                          <p:cTn id="4" fill="hold">
+                            <p:stCondLst>
+                              <p:cond delay="0"/>
+                            </p:stCondLst>
+                            <p:childTnLst>
+                              <p:par>
+                                <p:cTn id="5" presetID="1" presetClass="entr" presetSubtype="0" fill="hold" grpId="0" nodeType="clickEffect">
+                                  <p:stCondLst>
+                                    <p:cond delay="0"/>
+                                  </p:stCondLst>
+                                  <p:childTnLst>
+                                    <p:set>
+                                      <p:cBhvr>
+                                        <p:cTn id="6" dur="1" fill="hold">
+                                          <p:stCondLst>
+                                            <p:cond delay="0"/>
+                                          </p:stCondLst>
+                                        </p:cTn>
+                                        <p:tgtEl>
+                                          <p:spTgt spid="5">
+                                            <p:bg/>
+                                          </p:spTgt>
+                                        </p:tgtEl>
+                                        <p:attrNameLst>
+                                          <p:attrName>style.visibility</p:attrName>
+                                        </p:attrNameLst>
+                                      </p:cBhvr>
+                                      <p:to>
+                                        <p:strVal val="visible"/>
+                                      </p:to>
+                                    </p:set>
+                                  </p:childTnLst>
+                                </p:cTn>
+                              </p:par>
+                              <p:par>
+                                <p:cTn id="7" presetID="1" presetClass="entr" presetSubtype="0" fill="hold" grpId="0" nodeType="withEffect">
+                                  <p:stCondLst>
+                                    <p:cond delay="0"/>
+                                  </p:stCondLst>
+                                  <p:childTnLst>
+                                    <p:set>
+                                      <p:cBhvr>
+                                        <p:cTn id="8" dur="1" fill="hold">
+                                          <p:stCondLst>
+                                            <p:cond delay="0"/>
+                                          </p:stCondLst>
+                                        </p:cTn>
+                                        <p:tgtEl>
+                                          <p:spTgt spid="5">
+                                            <p:txEl>
+                                              <p:pRg st="0" end="0"/>
+                                            </p:txEl>
+                                          </p:spTgt>
+                                        </p:tgtEl>
+                                        <p:attrNameLst>
+                                          <p:attrName>style.visibility</p:attrName>
+                                        </p:attrNameLst>
+                                      </p:cBhvr>
+                                      <p:to>
+                                        <p:strVal val="visible"/>
+                                      </p:to>
+                                    </p:set>
+                                  </p:childTnLst>
+                                </p:cTn>
+                              </p:par>
+                            </p:childTnLst>
+                          </p:cTn>
+                        </p:par>
+                      </p:childTnLst>
+                    </p:cTn>
+                  </p:par>
+                </p:childTnLst>
+              </p:cTn>
+              <p:prevCondLst>
+                <p:cond evt="onPrev" delay="0">
+                  <p:tgtEl>
+                    <p:sldTgt/>
+                  </p:tgtEl>
+                </p:cond>
+              </p:prevCondLst>
+              <p:nextCondLst>
+                <p:cond evt="onNext" delay="0">
+                  <p:tgtEl>
+                    <p:sldTgt/>
+                  </p:tgtEl>
+                </p:cond>
+              </p:nextCondLst>
+            </p:seq>
+          </p:childTnLst>
+        </p:cTn>
+      </p:par>
+    </p:tnLst>
+    <p:bldLst>
+      <p:bldP spid="5" grpId="0" build="allAtOnce" animBg="1"/>
+    </p:bldLst>
   </p:timing>
 </p:sld>
 </file>
@@ -8326,7 +8682,7 @@
   <a:extraClrSchemeLst/>
   <a:extLst>
     <a:ext uri="{05A4C25C-085E-4340-85A3-A5531E510DB2}">
-      <thm15:themeFamily xmlns:thm15="http://schemas.microsoft.com/office/thememl/2012/main" xmlns="" name="Office Theme" id="{62F939B6-93AF-4DB8-9C6B-D6C7DFDC589F}" vid="{4A3C46E8-61CC-4603-A589-7422A47A8E4A}"/>
+      <thm15:themeFamily xmlns:thm15="http://schemas.microsoft.com/office/thememl/2012/main" name="Office Theme" id="{62F939B6-93AF-4DB8-9C6B-D6C7DFDC589F}" vid="{4A3C46E8-61CC-4603-A589-7422A47A8E4A}"/>
     </a:ext>
   </a:extLst>
 </a:theme>
